--- a/宣道詩/(宣道詩13)不住的歌唱.pptx
+++ b/宣道詩/(宣道詩13)不住的歌唱.pptx
@@ -5,16 +5,21 @@
     <p:sldMasterId id="2147483672" r:id="rId1"/>
   </p:sldMasterIdLst>
   <p:sldIdLst>
-    <p:sldId id="256" r:id="rId2"/>
-    <p:sldId id="257" r:id="rId3"/>
-    <p:sldId id="258" r:id="rId4"/>
-    <p:sldId id="259" r:id="rId5"/>
-    <p:sldId id="260" r:id="rId6"/>
-    <p:sldId id="261" r:id="rId7"/>
-    <p:sldId id="262" r:id="rId8"/>
-    <p:sldId id="263" r:id="rId9"/>
+    <p:sldId id="264" r:id="rId2"/>
+    <p:sldId id="265" r:id="rId3"/>
+    <p:sldId id="266" r:id="rId4"/>
+    <p:sldId id="267" r:id="rId5"/>
+    <p:sldId id="268" r:id="rId6"/>
+    <p:sldId id="269" r:id="rId7"/>
+    <p:sldId id="270" r:id="rId8"/>
+    <p:sldId id="271" r:id="rId9"/>
+    <p:sldId id="272" r:id="rId10"/>
+    <p:sldId id="273" r:id="rId11"/>
+    <p:sldId id="274" r:id="rId12"/>
+    <p:sldId id="275" r:id="rId13"/>
+    <p:sldId id="276" r:id="rId14"/>
   </p:sldIdLst>
-  <p:sldSz cx="9144000" cy="6858000" type="screen4x3"/>
+  <p:sldSz cx="12192000" cy="6858000"/>
   <p:notesSz cx="6858000" cy="9144000"/>
   <p:defaultTextStyle>
     <a:defPPr>
@@ -111,6 +116,22 @@
       </a:defRPr>
     </a:lvl9pPr>
   </p:defaultTextStyle>
+  <p:extLst>
+    <p:ext uri="{EFAFB233-063F-42B5-8137-9DF3F51BA10A}">
+      <p15:sldGuideLst xmlns:p15="http://schemas.microsoft.com/office/powerpoint/2012/main">
+        <p15:guide id="1" orient="horz" pos="2160" userDrawn="1">
+          <p15:clr>
+            <a:srgbClr val="A4A3A4"/>
+          </p15:clr>
+        </p15:guide>
+        <p15:guide id="2" pos="3840" userDrawn="1">
+          <p15:clr>
+            <a:srgbClr val="A4A3A4"/>
+          </p15:clr>
+        </p15:guide>
+      </p15:sldGuideLst>
+    </p:ext>
+  </p:extLst>
 </p:presentation>
 </file>
 
@@ -143,8 +164,8 @@
         </p:nvSpPr>
         <p:spPr>
           <a:xfrm>
-            <a:off x="685800" y="2130425"/>
-            <a:ext cx="7772400" cy="1470025"/>
+            <a:off x="914400" y="2130426"/>
+            <a:ext cx="10363200" cy="1470025"/>
           </a:xfrm>
         </p:spPr>
         <p:txBody>
@@ -171,8 +192,8 @@
         </p:nvSpPr>
         <p:spPr>
           <a:xfrm>
-            <a:off x="1371600" y="3886200"/>
-            <a:ext cx="6400800" cy="1752600"/>
+            <a:off x="1828800" y="3886200"/>
+            <a:ext cx="8534400" cy="1752600"/>
           </a:xfrm>
         </p:spPr>
         <p:txBody>
@@ -296,7 +317,7 @@
             <a:fld id="{92B3E29B-F13E-4F91-8068-84159EEC9336}" type="datetimeFigureOut">
               <a:rPr lang="zh-TW" altLang="en-US" smtClean="0"/>
               <a:pPr/>
-              <a:t>2018/11/3</a:t>
+              <a:t>2021/8/4</a:t>
             </a:fld>
             <a:endParaRPr lang="zh-TW" altLang="en-US"/>
           </a:p>
@@ -463,7 +484,7 @@
             <a:fld id="{92B3E29B-F13E-4F91-8068-84159EEC9336}" type="datetimeFigureOut">
               <a:rPr lang="zh-TW" altLang="en-US" smtClean="0"/>
               <a:pPr/>
-              <a:t>2018/11/3</a:t>
+              <a:t>2021/8/4</a:t>
             </a:fld>
             <a:endParaRPr lang="zh-TW" altLang="en-US"/>
           </a:p>
@@ -549,8 +570,8 @@
         </p:nvSpPr>
         <p:spPr>
           <a:xfrm>
-            <a:off x="6629400" y="274638"/>
-            <a:ext cx="2057400" cy="5851525"/>
+            <a:off x="8839200" y="274639"/>
+            <a:ext cx="2743200" cy="5851525"/>
           </a:xfrm>
         </p:spPr>
         <p:txBody>
@@ -577,8 +598,8 @@
         </p:nvSpPr>
         <p:spPr>
           <a:xfrm>
-            <a:off x="457200" y="274638"/>
-            <a:ext cx="6019800" cy="5851525"/>
+            <a:off x="609600" y="274639"/>
+            <a:ext cx="8026400" cy="5851525"/>
           </a:xfrm>
         </p:spPr>
         <p:txBody>
@@ -640,7 +661,7 @@
             <a:fld id="{92B3E29B-F13E-4F91-8068-84159EEC9336}" type="datetimeFigureOut">
               <a:rPr lang="zh-TW" altLang="en-US" smtClean="0"/>
               <a:pPr/>
-              <a:t>2018/11/3</a:t>
+              <a:t>2021/8/4</a:t>
             </a:fld>
             <a:endParaRPr lang="zh-TW" altLang="en-US"/>
           </a:p>
@@ -807,7 +828,7 @@
             <a:fld id="{92B3E29B-F13E-4F91-8068-84159EEC9336}" type="datetimeFigureOut">
               <a:rPr lang="zh-TW" altLang="en-US" smtClean="0"/>
               <a:pPr/>
-              <a:t>2018/11/3</a:t>
+              <a:t>2021/8/4</a:t>
             </a:fld>
             <a:endParaRPr lang="zh-TW" altLang="en-US"/>
           </a:p>
@@ -893,8 +914,8 @@
         </p:nvSpPr>
         <p:spPr>
           <a:xfrm>
-            <a:off x="722313" y="4406900"/>
-            <a:ext cx="7772400" cy="1362075"/>
+            <a:off x="963084" y="4406901"/>
+            <a:ext cx="10363200" cy="1362075"/>
           </a:xfrm>
         </p:spPr>
         <p:txBody>
@@ -925,8 +946,8 @@
         </p:nvSpPr>
         <p:spPr>
           <a:xfrm>
-            <a:off x="722313" y="2906713"/>
-            <a:ext cx="7772400" cy="1500187"/>
+            <a:off x="963084" y="2906713"/>
+            <a:ext cx="10363200" cy="1500187"/>
           </a:xfrm>
         </p:spPr>
         <p:txBody>
@@ -1050,7 +1071,7 @@
             <a:fld id="{92B3E29B-F13E-4F91-8068-84159EEC9336}" type="datetimeFigureOut">
               <a:rPr lang="zh-TW" altLang="en-US" smtClean="0"/>
               <a:pPr/>
-              <a:t>2018/11/3</a:t>
+              <a:t>2021/8/4</a:t>
             </a:fld>
             <a:endParaRPr lang="zh-TW" altLang="en-US"/>
           </a:p>
@@ -1159,8 +1180,8 @@
         </p:nvSpPr>
         <p:spPr>
           <a:xfrm>
-            <a:off x="457200" y="1600200"/>
-            <a:ext cx="4038600" cy="4525963"/>
+            <a:off x="609600" y="1600201"/>
+            <a:ext cx="5384800" cy="4525963"/>
           </a:xfrm>
         </p:spPr>
         <p:txBody>
@@ -1244,8 +1265,8 @@
         </p:nvSpPr>
         <p:spPr>
           <a:xfrm>
-            <a:off x="4648200" y="1600200"/>
-            <a:ext cx="4038600" cy="4525963"/>
+            <a:off x="6197600" y="1600201"/>
+            <a:ext cx="5384800" cy="4525963"/>
           </a:xfrm>
         </p:spPr>
         <p:txBody>
@@ -1335,7 +1356,7 @@
             <a:fld id="{92B3E29B-F13E-4F91-8068-84159EEC9336}" type="datetimeFigureOut">
               <a:rPr lang="zh-TW" altLang="en-US" smtClean="0"/>
               <a:pPr/>
-              <a:t>2018/11/3</a:t>
+              <a:t>2021/8/4</a:t>
             </a:fld>
             <a:endParaRPr lang="zh-TW" altLang="en-US"/>
           </a:p>
@@ -1448,8 +1469,8 @@
         </p:nvSpPr>
         <p:spPr>
           <a:xfrm>
-            <a:off x="457200" y="1535113"/>
-            <a:ext cx="4040188" cy="639762"/>
+            <a:off x="609600" y="1535113"/>
+            <a:ext cx="5386917" cy="639762"/>
           </a:xfrm>
         </p:spPr>
         <p:txBody>
@@ -1513,8 +1534,8 @@
         </p:nvSpPr>
         <p:spPr>
           <a:xfrm>
-            <a:off x="457200" y="2174875"/>
-            <a:ext cx="4040188" cy="3951288"/>
+            <a:off x="609600" y="2174875"/>
+            <a:ext cx="5386917" cy="3951288"/>
           </a:xfrm>
         </p:spPr>
         <p:txBody>
@@ -1598,8 +1619,8 @@
         </p:nvSpPr>
         <p:spPr>
           <a:xfrm>
-            <a:off x="4645025" y="1535113"/>
-            <a:ext cx="4041775" cy="639762"/>
+            <a:off x="6193368" y="1535113"/>
+            <a:ext cx="5389033" cy="639762"/>
           </a:xfrm>
         </p:spPr>
         <p:txBody>
@@ -1663,8 +1684,8 @@
         </p:nvSpPr>
         <p:spPr>
           <a:xfrm>
-            <a:off x="4645025" y="2174875"/>
-            <a:ext cx="4041775" cy="3951288"/>
+            <a:off x="6193368" y="2174875"/>
+            <a:ext cx="5389033" cy="3951288"/>
           </a:xfrm>
         </p:spPr>
         <p:txBody>
@@ -1754,7 +1775,7 @@
             <a:fld id="{92B3E29B-F13E-4F91-8068-84159EEC9336}" type="datetimeFigureOut">
               <a:rPr lang="zh-TW" altLang="en-US" smtClean="0"/>
               <a:pPr/>
-              <a:t>2018/11/3</a:t>
+              <a:t>2021/8/4</a:t>
             </a:fld>
             <a:endParaRPr lang="zh-TW" altLang="en-US"/>
           </a:p>
@@ -1869,7 +1890,7 @@
             <a:fld id="{92B3E29B-F13E-4F91-8068-84159EEC9336}" type="datetimeFigureOut">
               <a:rPr lang="zh-TW" altLang="en-US" smtClean="0"/>
               <a:pPr/>
-              <a:t>2018/11/3</a:t>
+              <a:t>2021/8/4</a:t>
             </a:fld>
             <a:endParaRPr lang="zh-TW" altLang="en-US"/>
           </a:p>
@@ -1961,7 +1982,7 @@
             <a:fld id="{92B3E29B-F13E-4F91-8068-84159EEC9336}" type="datetimeFigureOut">
               <a:rPr lang="zh-TW" altLang="en-US" smtClean="0"/>
               <a:pPr/>
-              <a:t>2018/11/3</a:t>
+              <a:t>2021/8/4</a:t>
             </a:fld>
             <a:endParaRPr lang="zh-TW" altLang="en-US"/>
           </a:p>
@@ -2047,8 +2068,8 @@
         </p:nvSpPr>
         <p:spPr>
           <a:xfrm>
-            <a:off x="457200" y="273050"/>
-            <a:ext cx="3008313" cy="1162050"/>
+            <a:off x="609601" y="273050"/>
+            <a:ext cx="4011084" cy="1162050"/>
           </a:xfrm>
         </p:spPr>
         <p:txBody>
@@ -2079,8 +2100,8 @@
         </p:nvSpPr>
         <p:spPr>
           <a:xfrm>
-            <a:off x="3575050" y="273050"/>
-            <a:ext cx="5111750" cy="5853113"/>
+            <a:off x="4766733" y="273051"/>
+            <a:ext cx="6815667" cy="5853113"/>
           </a:xfrm>
         </p:spPr>
         <p:txBody>
@@ -2164,8 +2185,8 @@
         </p:nvSpPr>
         <p:spPr>
           <a:xfrm>
-            <a:off x="457200" y="1435100"/>
-            <a:ext cx="3008313" cy="4691063"/>
+            <a:off x="609601" y="1435101"/>
+            <a:ext cx="4011084" cy="4691063"/>
           </a:xfrm>
         </p:spPr>
         <p:txBody>
@@ -2235,7 +2256,7 @@
             <a:fld id="{92B3E29B-F13E-4F91-8068-84159EEC9336}" type="datetimeFigureOut">
               <a:rPr lang="zh-TW" altLang="en-US" smtClean="0"/>
               <a:pPr/>
-              <a:t>2018/11/3</a:t>
+              <a:t>2021/8/4</a:t>
             </a:fld>
             <a:endParaRPr lang="zh-TW" altLang="en-US"/>
           </a:p>
@@ -2321,8 +2342,8 @@
         </p:nvSpPr>
         <p:spPr>
           <a:xfrm>
-            <a:off x="1792288" y="4800600"/>
-            <a:ext cx="5486400" cy="566738"/>
+            <a:off x="2389717" y="4800600"/>
+            <a:ext cx="7315200" cy="566738"/>
           </a:xfrm>
         </p:spPr>
         <p:txBody>
@@ -2353,8 +2374,8 @@
         </p:nvSpPr>
         <p:spPr>
           <a:xfrm>
-            <a:off x="1792288" y="612775"/>
-            <a:ext cx="5486400" cy="4114800"/>
+            <a:off x="2389717" y="612775"/>
+            <a:ext cx="7315200" cy="4114800"/>
           </a:xfrm>
         </p:spPr>
         <p:txBody>
@@ -2418,8 +2439,8 @@
         </p:nvSpPr>
         <p:spPr>
           <a:xfrm>
-            <a:off x="1792288" y="5367338"/>
-            <a:ext cx="5486400" cy="804862"/>
+            <a:off x="2389717" y="5367338"/>
+            <a:ext cx="7315200" cy="804862"/>
           </a:xfrm>
         </p:spPr>
         <p:txBody>
@@ -2489,7 +2510,7 @@
             <a:fld id="{92B3E29B-F13E-4F91-8068-84159EEC9336}" type="datetimeFigureOut">
               <a:rPr lang="zh-TW" altLang="en-US" smtClean="0"/>
               <a:pPr/>
-              <a:t>2018/11/3</a:t>
+              <a:t>2021/8/4</a:t>
             </a:fld>
             <a:endParaRPr lang="zh-TW" altLang="en-US"/>
           </a:p>
@@ -2585,8 +2606,8 @@
         </p:nvSpPr>
         <p:spPr>
           <a:xfrm>
-            <a:off x="457200" y="274638"/>
-            <a:ext cx="8229600" cy="1143000"/>
+            <a:off x="609600" y="274638"/>
+            <a:ext cx="10972800" cy="1143000"/>
           </a:xfrm>
           <a:prstGeom prst="rect">
             <a:avLst/>
@@ -2618,8 +2639,8 @@
         </p:nvSpPr>
         <p:spPr>
           <a:xfrm>
-            <a:off x="457200" y="1600200"/>
-            <a:ext cx="8229600" cy="4525963"/>
+            <a:off x="609600" y="1600201"/>
+            <a:ext cx="10972800" cy="4525963"/>
           </a:xfrm>
           <a:prstGeom prst="rect">
             <a:avLst/>
@@ -2680,8 +2701,8 @@
         </p:nvSpPr>
         <p:spPr>
           <a:xfrm>
-            <a:off x="457200" y="6356350"/>
-            <a:ext cx="2133600" cy="365125"/>
+            <a:off x="609600" y="6356351"/>
+            <a:ext cx="2844800" cy="365125"/>
           </a:xfrm>
           <a:prstGeom prst="rect">
             <a:avLst/>
@@ -2704,7 +2725,7 @@
             <a:fld id="{92B3E29B-F13E-4F91-8068-84159EEC9336}" type="datetimeFigureOut">
               <a:rPr lang="zh-TW" altLang="en-US" smtClean="0"/>
               <a:pPr/>
-              <a:t>2018/11/3</a:t>
+              <a:t>2021/8/4</a:t>
             </a:fld>
             <a:endParaRPr lang="zh-TW" altLang="en-US"/>
           </a:p>
@@ -2722,8 +2743,8 @@
         </p:nvSpPr>
         <p:spPr>
           <a:xfrm>
-            <a:off x="3124200" y="6356350"/>
-            <a:ext cx="2895600" cy="365125"/>
+            <a:off x="4165600" y="6356351"/>
+            <a:ext cx="3860800" cy="365125"/>
           </a:xfrm>
           <a:prstGeom prst="rect">
             <a:avLst/>
@@ -2759,8 +2780,8 @@
         </p:nvSpPr>
         <p:spPr>
           <a:xfrm>
-            <a:off x="6553200" y="6356350"/>
-            <a:ext cx="2133600" cy="365125"/>
+            <a:off x="8737600" y="6356351"/>
+            <a:ext cx="2844800" cy="365125"/>
           </a:xfrm>
           <a:prstGeom prst="rect">
             <a:avLst/>
@@ -3085,107 +3106,705 @@
             <p:ph type="title"/>
           </p:nvPr>
         </p:nvSpPr>
-        <p:spPr/>
-        <p:txBody>
-          <a:bodyPr/>
-          <a:lstStyle/>
-          <a:p>
-            <a:r>
-              <a:rPr lang="zh-TW" altLang="en-US" b="1" dirty="0">
-                <a:solidFill>
-                  <a:srgbClr val="660033"/>
-                </a:solidFill>
+        <p:spPr>
+          <a:xfrm>
+            <a:off x="0" y="2660915"/>
+            <a:ext cx="12192000" cy="1143000"/>
+          </a:xfrm>
+        </p:spPr>
+        <p:txBody>
+          <a:bodyPr>
+            <a:noAutofit/>
+          </a:bodyPr>
+          <a:lstStyle/>
+          <a:p>
+            <a:r>
+              <a:rPr lang="zh-CN" altLang="en-US" sz="5333" b="1" u="sng" dirty="0">
+                <a:solidFill>
+                  <a:srgbClr val="000066"/>
+                </a:solidFill>
+                <a:effectLst>
+                  <a:outerShdw blurRad="38100" dist="38100" dir="2700000" algn="tl">
+                    <a:srgbClr val="000000">
+                      <a:alpha val="43137"/>
+                    </a:srgbClr>
+                  </a:outerShdw>
+                </a:effectLst>
                 <a:latin typeface="微軟正黑體" pitchFamily="34" charset="-120"/>
                 <a:ea typeface="微軟正黑體" pitchFamily="34" charset="-120"/>
               </a:rPr>
-              <a:t>不住的歌唱</a:t>
-            </a:r>
-          </a:p>
-        </p:txBody>
-      </p:sp>
-      <p:sp>
-        <p:nvSpPr>
-          <p:cNvPr id="5" name="內容版面配置區 4"/>
-          <p:cNvSpPr>
-            <a:spLocks noGrp="1"/>
-          </p:cNvSpPr>
-          <p:nvPr>
-            <p:ph idx="1"/>
-          </p:nvPr>
-        </p:nvSpPr>
-        <p:spPr/>
-        <p:txBody>
-          <a:bodyPr>
-            <a:normAutofit/>
-          </a:bodyPr>
-          <a:lstStyle/>
-          <a:p>
-            <a:pPr algn="ctr">
-              <a:buNone/>
-            </a:pPr>
-            <a:r>
-              <a:rPr lang="zh-TW" altLang="en-US" sz="5400" b="1" dirty="0">
-                <a:solidFill>
-                  <a:srgbClr val="660033"/>
-                </a:solidFill>
+              <a:t>宣道詩 </a:t>
+            </a:r>
+            <a:r>
+              <a:rPr lang="en-US" altLang="zh-CN" sz="5333" b="1" u="sng" dirty="0">
+                <a:solidFill>
+                  <a:srgbClr val="000066"/>
+                </a:solidFill>
+                <a:effectLst>
+                  <a:outerShdw blurRad="38100" dist="38100" dir="2700000" algn="tl">
+                    <a:srgbClr val="000000">
+                      <a:alpha val="43137"/>
+                    </a:srgbClr>
+                  </a:outerShdw>
+                </a:effectLst>
                 <a:latin typeface="微軟正黑體" pitchFamily="34" charset="-120"/>
                 <a:ea typeface="微軟正黑體" pitchFamily="34" charset="-120"/>
               </a:rPr>
-              <a:t>我心裡有美妙快樂音</a:t>
-            </a:r>
-          </a:p>
-          <a:p>
-            <a:pPr algn="ctr">
-              <a:buNone/>
-            </a:pPr>
-            <a:r>
-              <a:rPr lang="zh-TW" altLang="en-US" sz="5400" b="1" dirty="0">
-                <a:solidFill>
-                  <a:srgbClr val="660033"/>
-                </a:solidFill>
+              <a:t>13</a:t>
+            </a:r>
+            <a:r>
+              <a:rPr lang="en-US" altLang="zh-CN" sz="7200" b="1" i="1" dirty="0">
+                <a:solidFill>
+                  <a:srgbClr val="660033"/>
+                </a:solidFill>
+                <a:effectLst>
+                  <a:outerShdw blurRad="38100" dist="38100" dir="2700000" algn="tl">
+                    <a:srgbClr val="000000">
+                      <a:alpha val="43137"/>
+                    </a:srgbClr>
+                  </a:outerShdw>
+                </a:effectLst>
                 <a:latin typeface="微軟正黑體" pitchFamily="34" charset="-120"/>
                 <a:ea typeface="微軟正黑體" pitchFamily="34" charset="-120"/>
               </a:rPr>
-              <a:t>是主溫和細語聲</a:t>
-            </a:r>
-          </a:p>
-          <a:p>
-            <a:pPr algn="ctr">
-              <a:buNone/>
-            </a:pPr>
-            <a:r>
-              <a:rPr lang="zh-TW" altLang="en-US" sz="5400" b="1" dirty="0">
-                <a:solidFill>
-                  <a:srgbClr val="660033"/>
-                </a:solidFill>
+              <a:t/>
+            </a:r>
+            <a:br>
+              <a:rPr lang="en-US" altLang="zh-CN" sz="7200" b="1" i="1" dirty="0">
+                <a:solidFill>
+                  <a:srgbClr val="660033"/>
+                </a:solidFill>
+                <a:effectLst>
+                  <a:outerShdw blurRad="38100" dist="38100" dir="2700000" algn="tl">
+                    <a:srgbClr val="000000">
+                      <a:alpha val="43137"/>
+                    </a:srgbClr>
+                  </a:outerShdw>
+                </a:effectLst>
                 <a:latin typeface="微軟正黑體" pitchFamily="34" charset="-120"/>
                 <a:ea typeface="微軟正黑體" pitchFamily="34" charset="-120"/>
               </a:rPr>
-              <a:t>安心不懼怕我必引領</a:t>
-            </a:r>
-          </a:p>
-          <a:p>
-            <a:pPr algn="ctr">
-              <a:buNone/>
-            </a:pPr>
-            <a:r>
-              <a:rPr lang="zh-TW" altLang="en-US" sz="5400" b="1" dirty="0">
-                <a:solidFill>
-                  <a:srgbClr val="660033"/>
-                </a:solidFill>
+            </a:br>
+            <a:r>
+              <a:rPr lang="zh-TW" altLang="en-US" sz="8000" b="1" dirty="0">
+                <a:solidFill>
+                  <a:srgbClr val="660033"/>
+                </a:solidFill>
+                <a:effectLst>
+                  <a:outerShdw blurRad="38100" dist="38100" dir="2700000" algn="tl">
+                    <a:srgbClr val="000000">
+                      <a:alpha val="43137"/>
+                    </a:srgbClr>
+                  </a:outerShdw>
+                </a:effectLst>
                 <a:latin typeface="微軟正黑體" pitchFamily="34" charset="-120"/>
                 <a:ea typeface="微軟正黑體" pitchFamily="34" charset="-120"/>
               </a:rPr>
-              <a:t>生命潮流的路程</a:t>
+              <a:t>不</a:t>
+            </a:r>
+            <a:r>
+              <a:rPr lang="zh-TW" altLang="en-US" sz="8000" b="1" dirty="0">
+                <a:solidFill>
+                  <a:srgbClr val="660033"/>
+                </a:solidFill>
+                <a:effectLst>
+                  <a:outerShdw blurRad="38100" dist="38100" dir="2700000" algn="tl">
+                    <a:srgbClr val="000000">
+                      <a:alpha val="43137"/>
+                    </a:srgbClr>
+                  </a:outerShdw>
+                </a:effectLst>
+                <a:latin typeface="微軟正黑體" pitchFamily="34" charset="-120"/>
+                <a:ea typeface="微軟正黑體" pitchFamily="34" charset="-120"/>
+              </a:rPr>
+              <a:t>住的歌唱</a:t>
             </a:r>
           </a:p>
         </p:txBody>
       </p:sp>
     </p:spTree>
+    <p:extLst>
+      <p:ext uri="{BB962C8B-B14F-4D97-AF65-F5344CB8AC3E}">
+        <p14:creationId xmlns:p14="http://schemas.microsoft.com/office/powerpoint/2010/main" val="1502352572"/>
+      </p:ext>
+    </p:extLst>
   </p:cSld>
   <p:clrMapOvr>
     <a:masterClrMapping/>
   </p:clrMapOvr>
+  <p:timing>
+    <p:tnLst>
+      <p:par>
+        <p:cTn id="1" dur="indefinite" restart="never" nodeType="tmRoot"/>
+      </p:par>
+    </p:tnLst>
+  </p:timing>
+</p:sld>
+</file>
+
+<file path=ppt/slides/slide10.xml><?xml version="1.0" encoding="utf-8"?>
+<p:sld xmlns:a="http://schemas.openxmlformats.org/drawingml/2006/main" xmlns:r="http://schemas.openxmlformats.org/officeDocument/2006/relationships" xmlns:p="http://schemas.openxmlformats.org/presentationml/2006/main">
+  <p:cSld>
+    <p:spTree>
+      <p:nvGrpSpPr>
+        <p:cNvPr id="1" name=""/>
+        <p:cNvGrpSpPr/>
+        <p:nvPr/>
+      </p:nvGrpSpPr>
+      <p:grpSpPr>
+        <a:xfrm>
+          <a:off x="0" y="0"/>
+          <a:ext cx="0" cy="0"/>
+          <a:chOff x="0" y="0"/>
+          <a:chExt cx="0" cy="0"/>
+        </a:xfrm>
+      </p:grpSpPr>
+      <p:sp>
+        <p:nvSpPr>
+          <p:cNvPr id="5" name="內容版面配置區 4"/>
+          <p:cNvSpPr>
+            <a:spLocks noGrp="1"/>
+          </p:cNvSpPr>
+          <p:nvPr>
+            <p:ph idx="1"/>
+          </p:nvPr>
+        </p:nvSpPr>
+        <p:spPr>
+          <a:xfrm>
+            <a:off x="0" y="2084851"/>
+            <a:ext cx="12192000" cy="2404863"/>
+          </a:xfrm>
+        </p:spPr>
+        <p:txBody>
+          <a:bodyPr anchor="ctr">
+            <a:normAutofit/>
+          </a:bodyPr>
+          <a:lstStyle/>
+          <a:p>
+            <a:pPr algn="ctr">
+              <a:buNone/>
+            </a:pPr>
+            <a:r>
+              <a:rPr lang="zh-TW" altLang="en-US" sz="6400" b="1" dirty="0">
+                <a:solidFill>
+                  <a:srgbClr val="660033"/>
+                </a:solidFill>
+                <a:latin typeface="微軟正黑體" pitchFamily="34" charset="-120"/>
+                <a:ea typeface="微軟正黑體" pitchFamily="34" charset="-120"/>
+              </a:rPr>
+              <a:t>耶穌  耶穌  耶穌  至寶貴</a:t>
+            </a:r>
+            <a:r>
+              <a:rPr lang="zh-CN" altLang="en-US" sz="6400" b="1" dirty="0">
+                <a:solidFill>
+                  <a:srgbClr val="660033"/>
+                </a:solidFill>
+                <a:latin typeface="微軟正黑體" pitchFamily="34" charset="-120"/>
+                <a:ea typeface="微軟正黑體" pitchFamily="34" charset="-120"/>
+              </a:rPr>
+              <a:t>尊</a:t>
+            </a:r>
+            <a:r>
+              <a:rPr lang="zh-TW" altLang="en-US" sz="6400" b="1" dirty="0">
+                <a:solidFill>
+                  <a:srgbClr val="660033"/>
+                </a:solidFill>
+                <a:latin typeface="微軟正黑體" pitchFamily="34" charset="-120"/>
+                <a:ea typeface="微軟正黑體" pitchFamily="34" charset="-120"/>
+              </a:rPr>
+              <a:t>名</a:t>
+            </a:r>
+          </a:p>
+          <a:p>
+            <a:pPr algn="ctr">
+              <a:buNone/>
+            </a:pPr>
+            <a:r>
+              <a:rPr lang="zh-TW" altLang="en-US" sz="6400" b="1" dirty="0">
+                <a:solidFill>
+                  <a:srgbClr val="660033"/>
+                </a:solidFill>
+                <a:latin typeface="微軟正黑體" pitchFamily="34" charset="-120"/>
+                <a:ea typeface="微軟正黑體" pitchFamily="34" charset="-120"/>
+              </a:rPr>
+              <a:t>滿我心所渴慕  領我快樂</a:t>
+            </a:r>
+            <a:r>
+              <a:rPr lang="zh-CN" altLang="en-US" sz="6400" b="1" dirty="0">
+                <a:solidFill>
+                  <a:srgbClr val="660033"/>
+                </a:solidFill>
+                <a:latin typeface="微軟正黑體" pitchFamily="34" charset="-120"/>
+                <a:ea typeface="微軟正黑體" pitchFamily="34" charset="-120"/>
+              </a:rPr>
+              <a:t>往</a:t>
+            </a:r>
+            <a:r>
+              <a:rPr lang="zh-TW" altLang="en-US" sz="6400" b="1" dirty="0">
+                <a:solidFill>
+                  <a:srgbClr val="660033"/>
+                </a:solidFill>
+                <a:latin typeface="微軟正黑體" pitchFamily="34" charset="-120"/>
+                <a:ea typeface="微軟正黑體" pitchFamily="34" charset="-120"/>
+              </a:rPr>
+              <a:t>天</a:t>
+            </a:r>
+            <a:r>
+              <a:rPr lang="zh-CN" altLang="en-US" sz="6400" b="1" dirty="0">
+                <a:solidFill>
+                  <a:srgbClr val="660033"/>
+                </a:solidFill>
+                <a:latin typeface="微軟正黑體" pitchFamily="34" charset="-120"/>
+                <a:ea typeface="微軟正黑體" pitchFamily="34" charset="-120"/>
+              </a:rPr>
+              <a:t>行</a:t>
+            </a:r>
+            <a:endParaRPr lang="zh-TW" altLang="en-US" sz="6400" b="1" dirty="0">
+              <a:solidFill>
+                <a:srgbClr val="660033"/>
+              </a:solidFill>
+              <a:latin typeface="微軟正黑體" pitchFamily="34" charset="-120"/>
+              <a:ea typeface="微軟正黑體" pitchFamily="34" charset="-120"/>
+            </a:endParaRPr>
+          </a:p>
+        </p:txBody>
+      </p:sp>
+    </p:spTree>
+    <p:extLst>
+      <p:ext uri="{BB962C8B-B14F-4D97-AF65-F5344CB8AC3E}">
+        <p14:creationId xmlns:p14="http://schemas.microsoft.com/office/powerpoint/2010/main" val="238278596"/>
+      </p:ext>
+    </p:extLst>
+  </p:cSld>
+  <p:clrMapOvr>
+    <a:masterClrMapping/>
+  </p:clrMapOvr>
+  <p:timing>
+    <p:tnLst>
+      <p:par>
+        <p:cTn id="1" dur="indefinite" restart="never" nodeType="tmRoot"/>
+      </p:par>
+    </p:tnLst>
+  </p:timing>
+</p:sld>
+</file>
+
+<file path=ppt/slides/slide11.xml><?xml version="1.0" encoding="utf-8"?>
+<p:sld xmlns:a="http://schemas.openxmlformats.org/drawingml/2006/main" xmlns:r="http://schemas.openxmlformats.org/officeDocument/2006/relationships" xmlns:p="http://schemas.openxmlformats.org/presentationml/2006/main">
+  <p:cSld>
+    <p:spTree>
+      <p:nvGrpSpPr>
+        <p:cNvPr id="1" name=""/>
+        <p:cNvGrpSpPr/>
+        <p:nvPr/>
+      </p:nvGrpSpPr>
+      <p:grpSpPr>
+        <a:xfrm>
+          <a:off x="0" y="0"/>
+          <a:ext cx="0" cy="0"/>
+          <a:chOff x="0" y="0"/>
+          <a:chExt cx="0" cy="0"/>
+        </a:xfrm>
+      </p:grpSpPr>
+      <p:sp>
+        <p:nvSpPr>
+          <p:cNvPr id="5" name="內容版面配置區 4"/>
+          <p:cNvSpPr>
+            <a:spLocks noGrp="1"/>
+          </p:cNvSpPr>
+          <p:nvPr>
+            <p:ph idx="1"/>
+          </p:nvPr>
+        </p:nvSpPr>
+        <p:spPr>
+          <a:xfrm>
+            <a:off x="0" y="2084851"/>
+            <a:ext cx="12192000" cy="2404863"/>
+          </a:xfrm>
+        </p:spPr>
+        <p:txBody>
+          <a:bodyPr anchor="ctr">
+            <a:normAutofit/>
+          </a:bodyPr>
+          <a:lstStyle/>
+          <a:p>
+            <a:pPr algn="ctr">
+              <a:buNone/>
+            </a:pPr>
+            <a:r>
+              <a:rPr lang="zh-TW" altLang="en-US" sz="6400" b="1" dirty="0">
+                <a:solidFill>
+                  <a:srgbClr val="660033"/>
+                </a:solidFill>
+                <a:latin typeface="微軟正黑體" pitchFamily="34" charset="-120"/>
+                <a:ea typeface="微軟正黑體" pitchFamily="34" charset="-120"/>
+              </a:rPr>
+              <a:t>有時主領過深水之苦</a:t>
+            </a:r>
+          </a:p>
+          <a:p>
+            <a:pPr algn="ctr">
+              <a:buNone/>
+            </a:pPr>
+            <a:r>
+              <a:rPr lang="zh-TW" altLang="en-US" sz="6400" b="1" dirty="0">
+                <a:solidFill>
+                  <a:srgbClr val="660033"/>
+                </a:solidFill>
+                <a:latin typeface="微軟正黑體" pitchFamily="34" charset="-120"/>
+                <a:ea typeface="微軟正黑體" pitchFamily="34" charset="-120"/>
+              </a:rPr>
+              <a:t>試煉滿佈我前途</a:t>
+            </a:r>
+            <a:endParaRPr lang="zh-TW" altLang="en-US" sz="6400" b="1" dirty="0">
+              <a:solidFill>
+                <a:srgbClr val="660033"/>
+              </a:solidFill>
+              <a:latin typeface="微軟正黑體" pitchFamily="34" charset="-120"/>
+              <a:ea typeface="微軟正黑體" pitchFamily="34" charset="-120"/>
+            </a:endParaRPr>
+          </a:p>
+        </p:txBody>
+      </p:sp>
+      <p:sp>
+        <p:nvSpPr>
+          <p:cNvPr id="3" name="TextBox 2"/>
+          <p:cNvSpPr txBox="1"/>
+          <p:nvPr/>
+        </p:nvSpPr>
+        <p:spPr>
+          <a:xfrm>
+            <a:off x="0" y="5061182"/>
+            <a:ext cx="12192000" cy="830997"/>
+          </a:xfrm>
+          <a:prstGeom prst="rect">
+            <a:avLst/>
+          </a:prstGeom>
+          <a:noFill/>
+        </p:spPr>
+        <p:txBody>
+          <a:bodyPr wrap="square" rtlCol="0">
+            <a:spAutoFit/>
+          </a:bodyPr>
+          <a:lstStyle/>
+          <a:p>
+            <a:pPr algn="ctr"/>
+            <a:r>
+              <a:rPr lang="en-US" sz="4800" b="1" dirty="0">
+                <a:solidFill>
+                  <a:srgbClr val="660033"/>
+                </a:solidFill>
+              </a:rPr>
+              <a:t>( 4 )</a:t>
+            </a:r>
+            <a:endParaRPr lang="vi-VN" sz="4800" b="1" dirty="0">
+              <a:solidFill>
+                <a:srgbClr val="660033"/>
+              </a:solidFill>
+            </a:endParaRPr>
+          </a:p>
+        </p:txBody>
+      </p:sp>
+    </p:spTree>
+    <p:extLst>
+      <p:ext uri="{BB962C8B-B14F-4D97-AF65-F5344CB8AC3E}">
+        <p14:creationId xmlns:p14="http://schemas.microsoft.com/office/powerpoint/2010/main" val="579318058"/>
+      </p:ext>
+    </p:extLst>
+  </p:cSld>
+  <p:clrMapOvr>
+    <a:masterClrMapping/>
+  </p:clrMapOvr>
+  <p:timing>
+    <p:tnLst>
+      <p:par>
+        <p:cTn id="1" dur="indefinite" restart="never" nodeType="tmRoot"/>
+      </p:par>
+    </p:tnLst>
+  </p:timing>
+</p:sld>
+</file>
+
+<file path=ppt/slides/slide12.xml><?xml version="1.0" encoding="utf-8"?>
+<p:sld xmlns:a="http://schemas.openxmlformats.org/drawingml/2006/main" xmlns:r="http://schemas.openxmlformats.org/officeDocument/2006/relationships" xmlns:p="http://schemas.openxmlformats.org/presentationml/2006/main">
+  <p:cSld>
+    <p:spTree>
+      <p:nvGrpSpPr>
+        <p:cNvPr id="1" name=""/>
+        <p:cNvGrpSpPr/>
+        <p:nvPr/>
+      </p:nvGrpSpPr>
+      <p:grpSpPr>
+        <a:xfrm>
+          <a:off x="0" y="0"/>
+          <a:ext cx="0" cy="0"/>
+          <a:chOff x="0" y="0"/>
+          <a:chExt cx="0" cy="0"/>
+        </a:xfrm>
+      </p:grpSpPr>
+      <p:sp>
+        <p:nvSpPr>
+          <p:cNvPr id="5" name="內容版面配置區 4"/>
+          <p:cNvSpPr>
+            <a:spLocks noGrp="1"/>
+          </p:cNvSpPr>
+          <p:nvPr>
+            <p:ph idx="1"/>
+          </p:nvPr>
+        </p:nvSpPr>
+        <p:spPr>
+          <a:xfrm>
+            <a:off x="0" y="2084851"/>
+            <a:ext cx="12192000" cy="2404863"/>
+          </a:xfrm>
+        </p:spPr>
+        <p:txBody>
+          <a:bodyPr anchor="ctr">
+            <a:normAutofit/>
+          </a:bodyPr>
+          <a:lstStyle/>
+          <a:p>
+            <a:pPr algn="ctr">
+              <a:buNone/>
+            </a:pPr>
+            <a:r>
+              <a:rPr lang="zh-TW" altLang="en-US" sz="6400" b="1" dirty="0">
+                <a:solidFill>
+                  <a:srgbClr val="660033"/>
+                </a:solidFill>
+                <a:latin typeface="微軟正黑體" pitchFamily="34" charset="-120"/>
+                <a:ea typeface="微軟正黑體" pitchFamily="34" charset="-120"/>
+              </a:rPr>
+              <a:t>有時經歷崎嶇險峻谷</a:t>
+            </a:r>
+          </a:p>
+          <a:p>
+            <a:pPr algn="ctr">
+              <a:buNone/>
+            </a:pPr>
+            <a:r>
+              <a:rPr lang="zh-TW" altLang="en-US" sz="6400" b="1" dirty="0">
+                <a:solidFill>
+                  <a:srgbClr val="660033"/>
+                </a:solidFill>
+                <a:latin typeface="微軟正黑體" pitchFamily="34" charset="-120"/>
+                <a:ea typeface="微軟正黑體" pitchFamily="34" charset="-120"/>
+              </a:rPr>
+              <a:t>惟要跟隨主腳步</a:t>
+            </a:r>
+            <a:endParaRPr lang="zh-TW" altLang="en-US" sz="6400" b="1" dirty="0">
+              <a:solidFill>
+                <a:srgbClr val="660033"/>
+              </a:solidFill>
+              <a:latin typeface="微軟正黑體" pitchFamily="34" charset="-120"/>
+              <a:ea typeface="微軟正黑體" pitchFamily="34" charset="-120"/>
+            </a:endParaRPr>
+          </a:p>
+        </p:txBody>
+      </p:sp>
+      <p:sp>
+        <p:nvSpPr>
+          <p:cNvPr id="3" name="TextBox 2"/>
+          <p:cNvSpPr txBox="1"/>
+          <p:nvPr/>
+        </p:nvSpPr>
+        <p:spPr>
+          <a:xfrm>
+            <a:off x="0" y="5061182"/>
+            <a:ext cx="12192000" cy="830997"/>
+          </a:xfrm>
+          <a:prstGeom prst="rect">
+            <a:avLst/>
+          </a:prstGeom>
+          <a:noFill/>
+        </p:spPr>
+        <p:txBody>
+          <a:bodyPr wrap="square" rtlCol="0">
+            <a:spAutoFit/>
+          </a:bodyPr>
+          <a:lstStyle/>
+          <a:p>
+            <a:pPr algn="ctr"/>
+            <a:r>
+              <a:rPr lang="en-US" sz="4800" b="1" dirty="0">
+                <a:solidFill>
+                  <a:srgbClr val="660033"/>
+                </a:solidFill>
+              </a:rPr>
+              <a:t>( 4 )</a:t>
+            </a:r>
+            <a:endParaRPr lang="vi-VN" sz="4800" b="1" dirty="0">
+              <a:solidFill>
+                <a:srgbClr val="660033"/>
+              </a:solidFill>
+            </a:endParaRPr>
+          </a:p>
+        </p:txBody>
+      </p:sp>
+    </p:spTree>
+    <p:extLst>
+      <p:ext uri="{BB962C8B-B14F-4D97-AF65-F5344CB8AC3E}">
+        <p14:creationId xmlns:p14="http://schemas.microsoft.com/office/powerpoint/2010/main" val="3091143497"/>
+      </p:ext>
+    </p:extLst>
+  </p:cSld>
+  <p:clrMapOvr>
+    <a:masterClrMapping/>
+  </p:clrMapOvr>
+  <p:timing>
+    <p:tnLst>
+      <p:par>
+        <p:cTn id="1" dur="indefinite" restart="never" nodeType="tmRoot"/>
+      </p:par>
+    </p:tnLst>
+  </p:timing>
+</p:sld>
+</file>
+
+<file path=ppt/slides/slide13.xml><?xml version="1.0" encoding="utf-8"?>
+<p:sld xmlns:a="http://schemas.openxmlformats.org/drawingml/2006/main" xmlns:r="http://schemas.openxmlformats.org/officeDocument/2006/relationships" xmlns:p="http://schemas.openxmlformats.org/presentationml/2006/main">
+  <p:cSld>
+    <p:spTree>
+      <p:nvGrpSpPr>
+        <p:cNvPr id="1" name=""/>
+        <p:cNvGrpSpPr/>
+        <p:nvPr/>
+      </p:nvGrpSpPr>
+      <p:grpSpPr>
+        <a:xfrm>
+          <a:off x="0" y="0"/>
+          <a:ext cx="0" cy="0"/>
+          <a:chOff x="0" y="0"/>
+          <a:chExt cx="0" cy="0"/>
+        </a:xfrm>
+      </p:grpSpPr>
+      <p:sp>
+        <p:nvSpPr>
+          <p:cNvPr id="5" name="內容版面配置區 4"/>
+          <p:cNvSpPr>
+            <a:spLocks noGrp="1"/>
+          </p:cNvSpPr>
+          <p:nvPr>
+            <p:ph idx="1"/>
+          </p:nvPr>
+        </p:nvSpPr>
+        <p:spPr>
+          <a:xfrm>
+            <a:off x="0" y="2084851"/>
+            <a:ext cx="12192000" cy="2404863"/>
+          </a:xfrm>
+        </p:spPr>
+        <p:txBody>
+          <a:bodyPr anchor="ctr">
+            <a:normAutofit/>
+          </a:bodyPr>
+          <a:lstStyle/>
+          <a:p>
+            <a:pPr algn="ctr">
+              <a:buNone/>
+            </a:pPr>
+            <a:r>
+              <a:rPr lang="zh-TW" altLang="en-US" sz="6400" b="1" dirty="0">
+                <a:solidFill>
+                  <a:srgbClr val="660033"/>
+                </a:solidFill>
+                <a:latin typeface="微軟正黑體" pitchFamily="34" charset="-120"/>
+                <a:ea typeface="微軟正黑體" pitchFamily="34" charset="-120"/>
+              </a:rPr>
+              <a:t>耶穌  耶穌  耶穌  至寶貴</a:t>
+            </a:r>
+            <a:r>
+              <a:rPr lang="zh-CN" altLang="en-US" sz="6400" b="1" dirty="0">
+                <a:solidFill>
+                  <a:srgbClr val="660033"/>
+                </a:solidFill>
+                <a:latin typeface="微軟正黑體" pitchFamily="34" charset="-120"/>
+                <a:ea typeface="微軟正黑體" pitchFamily="34" charset="-120"/>
+              </a:rPr>
+              <a:t>尊</a:t>
+            </a:r>
+            <a:r>
+              <a:rPr lang="zh-TW" altLang="en-US" sz="6400" b="1" dirty="0">
+                <a:solidFill>
+                  <a:srgbClr val="660033"/>
+                </a:solidFill>
+                <a:latin typeface="微軟正黑體" pitchFamily="34" charset="-120"/>
+                <a:ea typeface="微軟正黑體" pitchFamily="34" charset="-120"/>
+              </a:rPr>
+              <a:t>名</a:t>
+            </a:r>
+          </a:p>
+          <a:p>
+            <a:pPr algn="ctr">
+              <a:buNone/>
+            </a:pPr>
+            <a:r>
+              <a:rPr lang="zh-TW" altLang="en-US" sz="6400" b="1" dirty="0">
+                <a:solidFill>
+                  <a:srgbClr val="660033"/>
+                </a:solidFill>
+                <a:latin typeface="微軟正黑體" pitchFamily="34" charset="-120"/>
+                <a:ea typeface="微軟正黑體" pitchFamily="34" charset="-120"/>
+              </a:rPr>
+              <a:t>滿我心所渴慕  領我快樂</a:t>
+            </a:r>
+            <a:r>
+              <a:rPr lang="zh-CN" altLang="en-US" sz="6400" b="1" dirty="0">
+                <a:solidFill>
+                  <a:srgbClr val="660033"/>
+                </a:solidFill>
+                <a:latin typeface="微軟正黑體" pitchFamily="34" charset="-120"/>
+                <a:ea typeface="微軟正黑體" pitchFamily="34" charset="-120"/>
+              </a:rPr>
+              <a:t>往</a:t>
+            </a:r>
+            <a:r>
+              <a:rPr lang="zh-TW" altLang="en-US" sz="6400" b="1" dirty="0">
+                <a:solidFill>
+                  <a:srgbClr val="660033"/>
+                </a:solidFill>
+                <a:latin typeface="微軟正黑體" pitchFamily="34" charset="-120"/>
+                <a:ea typeface="微軟正黑體" pitchFamily="34" charset="-120"/>
+              </a:rPr>
+              <a:t>天</a:t>
+            </a:r>
+            <a:r>
+              <a:rPr lang="zh-CN" altLang="en-US" sz="6400" b="1" dirty="0">
+                <a:solidFill>
+                  <a:srgbClr val="660033"/>
+                </a:solidFill>
+                <a:latin typeface="微軟正黑體" pitchFamily="34" charset="-120"/>
+                <a:ea typeface="微軟正黑體" pitchFamily="34" charset="-120"/>
+              </a:rPr>
+              <a:t>行</a:t>
+            </a:r>
+            <a:endParaRPr lang="zh-TW" altLang="en-US" sz="6400" b="1" dirty="0">
+              <a:solidFill>
+                <a:srgbClr val="660033"/>
+              </a:solidFill>
+              <a:latin typeface="微軟正黑體" pitchFamily="34" charset="-120"/>
+              <a:ea typeface="微軟正黑體" pitchFamily="34" charset="-120"/>
+            </a:endParaRPr>
+          </a:p>
+        </p:txBody>
+      </p:sp>
+    </p:spTree>
+    <p:extLst>
+      <p:ext uri="{BB962C8B-B14F-4D97-AF65-F5344CB8AC3E}">
+        <p14:creationId xmlns:p14="http://schemas.microsoft.com/office/powerpoint/2010/main" val="3770148042"/>
+      </p:ext>
+    </p:extLst>
+  </p:cSld>
+  <p:clrMapOvr>
+    <a:masterClrMapping/>
+  </p:clrMapOvr>
+  <p:timing>
+    <p:tnLst>
+      <p:par>
+        <p:cTn id="1" dur="indefinite" restart="never" nodeType="tmRoot"/>
+      </p:par>
+    </p:tnLst>
+  </p:timing>
 </p:sld>
 </file>
 
@@ -3208,115 +3827,120 @@
       </p:grpSpPr>
       <p:sp>
         <p:nvSpPr>
-          <p:cNvPr id="4" name="標題 3"/>
-          <p:cNvSpPr>
-            <a:spLocks noGrp="1"/>
-          </p:cNvSpPr>
-          <p:nvPr>
-            <p:ph type="title"/>
-          </p:nvPr>
-        </p:nvSpPr>
-        <p:spPr/>
-        <p:txBody>
-          <a:bodyPr/>
-          <a:lstStyle/>
-          <a:p>
-            <a:r>
-              <a:rPr lang="zh-TW" altLang="en-US" b="1" dirty="0">
+          <p:cNvPr id="5" name="內容版面配置區 4"/>
+          <p:cNvSpPr>
+            <a:spLocks noGrp="1"/>
+          </p:cNvSpPr>
+          <p:nvPr>
+            <p:ph idx="1"/>
+          </p:nvPr>
+        </p:nvSpPr>
+        <p:spPr>
+          <a:xfrm>
+            <a:off x="0" y="2084851"/>
+            <a:ext cx="12192000" cy="2404863"/>
+          </a:xfrm>
+        </p:spPr>
+        <p:txBody>
+          <a:bodyPr anchor="ctr">
+            <a:normAutofit/>
+          </a:bodyPr>
+          <a:lstStyle/>
+          <a:p>
+            <a:pPr algn="ctr">
+              <a:buNone/>
+            </a:pPr>
+            <a:r>
+              <a:rPr lang="zh-TW" altLang="en-US" sz="6400" b="1" dirty="0">
                 <a:solidFill>
                   <a:srgbClr val="660033"/>
                 </a:solidFill>
                 <a:latin typeface="微軟正黑體" pitchFamily="34" charset="-120"/>
                 <a:ea typeface="微軟正黑體" pitchFamily="34" charset="-120"/>
               </a:rPr>
-              <a:t>不住的歌唱</a:t>
-            </a:r>
-          </a:p>
-        </p:txBody>
-      </p:sp>
-      <p:sp>
-        <p:nvSpPr>
-          <p:cNvPr id="5" name="內容版面配置區 4"/>
-          <p:cNvSpPr>
-            <a:spLocks noGrp="1"/>
-          </p:cNvSpPr>
-          <p:nvPr>
-            <p:ph idx="1"/>
-          </p:nvPr>
-        </p:nvSpPr>
-        <p:spPr/>
-        <p:txBody>
-          <a:bodyPr>
-            <a:normAutofit/>
-          </a:bodyPr>
-          <a:lstStyle/>
+              <a:t>我心裡有美妙快樂音</a:t>
+            </a:r>
+          </a:p>
           <a:p>
             <a:pPr algn="ctr">
               <a:buNone/>
             </a:pPr>
             <a:r>
-              <a:rPr lang="zh-TW" altLang="en-US" sz="5400" b="1" dirty="0">
+              <a:rPr lang="zh-TW" altLang="en-US" sz="6400" b="1" dirty="0">
                 <a:solidFill>
                   <a:srgbClr val="660033"/>
                 </a:solidFill>
                 <a:latin typeface="微軟正黑體" pitchFamily="34" charset="-120"/>
                 <a:ea typeface="微軟正黑體" pitchFamily="34" charset="-120"/>
               </a:rPr>
-              <a:t>耶穌 耶穌 耶穌</a:t>
-            </a:r>
-          </a:p>
-          <a:p>
-            <a:pPr algn="ctr">
-              <a:buNone/>
-            </a:pPr>
-            <a:r>
-              <a:rPr lang="zh-TW" altLang="en-US" sz="5400" b="1" dirty="0">
-                <a:solidFill>
-                  <a:srgbClr val="660033"/>
-                </a:solidFill>
-                <a:latin typeface="微軟正黑體" pitchFamily="34" charset="-120"/>
-                <a:ea typeface="微軟正黑體" pitchFamily="34" charset="-120"/>
-              </a:rPr>
-              <a:t>至寶貴聖名</a:t>
-            </a:r>
-          </a:p>
-          <a:p>
-            <a:pPr algn="ctr">
-              <a:buNone/>
-            </a:pPr>
-            <a:r>
-              <a:rPr lang="zh-TW" altLang="en-US" sz="5400" b="1" dirty="0">
-                <a:solidFill>
-                  <a:srgbClr val="660033"/>
-                </a:solidFill>
-                <a:latin typeface="微軟正黑體" pitchFamily="34" charset="-120"/>
-                <a:ea typeface="微軟正黑體" pitchFamily="34" charset="-120"/>
-              </a:rPr>
-              <a:t>滿我心所渴慕</a:t>
-            </a:r>
-          </a:p>
-          <a:p>
-            <a:pPr algn="ctr">
-              <a:buNone/>
-            </a:pPr>
-            <a:r>
-              <a:rPr lang="zh-TW" altLang="en-US" sz="5400" b="1" dirty="0">
-                <a:solidFill>
-                  <a:srgbClr val="660033"/>
-                </a:solidFill>
-                <a:latin typeface="微軟正黑體" pitchFamily="34" charset="-120"/>
-                <a:ea typeface="微軟正黑體" pitchFamily="34" charset="-120"/>
-              </a:rPr>
-              <a:t>領我快樂走天路</a:t>
-            </a:r>
+              <a:t>是主溫和細語聲</a:t>
+            </a:r>
+            <a:endParaRPr lang="zh-TW" altLang="en-US" sz="6400" b="1" dirty="0">
+              <a:solidFill>
+                <a:srgbClr val="660033"/>
+              </a:solidFill>
+              <a:latin typeface="微軟正黑體" pitchFamily="34" charset="-120"/>
+              <a:ea typeface="微軟正黑體" pitchFamily="34" charset="-120"/>
+            </a:endParaRPr>
+          </a:p>
+        </p:txBody>
+      </p:sp>
+      <p:sp>
+        <p:nvSpPr>
+          <p:cNvPr id="3" name="TextBox 2"/>
+          <p:cNvSpPr txBox="1"/>
+          <p:nvPr/>
+        </p:nvSpPr>
+        <p:spPr>
+          <a:xfrm>
+            <a:off x="0" y="5061182"/>
+            <a:ext cx="12192000" cy="830997"/>
+          </a:xfrm>
+          <a:prstGeom prst="rect">
+            <a:avLst/>
+          </a:prstGeom>
+          <a:noFill/>
+        </p:spPr>
+        <p:txBody>
+          <a:bodyPr wrap="square" rtlCol="0">
+            <a:spAutoFit/>
+          </a:bodyPr>
+          <a:lstStyle/>
+          <a:p>
+            <a:pPr algn="ctr"/>
+            <a:r>
+              <a:rPr lang="en-US" sz="4800" b="1" dirty="0">
+                <a:solidFill>
+                  <a:srgbClr val="660033"/>
+                </a:solidFill>
+              </a:rPr>
+              <a:t>( 1 )</a:t>
+            </a:r>
+            <a:endParaRPr lang="vi-VN" sz="4800" b="1" dirty="0">
+              <a:solidFill>
+                <a:srgbClr val="660033"/>
+              </a:solidFill>
+            </a:endParaRPr>
           </a:p>
         </p:txBody>
       </p:sp>
     </p:spTree>
+    <p:extLst>
+      <p:ext uri="{BB962C8B-B14F-4D97-AF65-F5344CB8AC3E}">
+        <p14:creationId xmlns:p14="http://schemas.microsoft.com/office/powerpoint/2010/main" val="4091900909"/>
+      </p:ext>
+    </p:extLst>
   </p:cSld>
   <p:clrMapOvr>
     <a:masterClrMapping/>
   </p:clrMapOvr>
+  <p:timing>
+    <p:tnLst>
+      <p:par>
+        <p:cTn id="1" dur="indefinite" restart="never" nodeType="tmRoot"/>
+      </p:par>
+    </p:tnLst>
+  </p:timing>
 </p:sld>
 </file>
 
@@ -3339,115 +3963,120 @@
       </p:grpSpPr>
       <p:sp>
         <p:nvSpPr>
-          <p:cNvPr id="4" name="標題 3"/>
-          <p:cNvSpPr>
-            <a:spLocks noGrp="1"/>
-          </p:cNvSpPr>
-          <p:nvPr>
-            <p:ph type="title"/>
-          </p:nvPr>
-        </p:nvSpPr>
-        <p:spPr/>
-        <p:txBody>
-          <a:bodyPr/>
-          <a:lstStyle/>
-          <a:p>
-            <a:r>
-              <a:rPr lang="zh-TW" altLang="en-US" b="1" dirty="0">
+          <p:cNvPr id="5" name="內容版面配置區 4"/>
+          <p:cNvSpPr>
+            <a:spLocks noGrp="1"/>
+          </p:cNvSpPr>
+          <p:nvPr>
+            <p:ph idx="1"/>
+          </p:nvPr>
+        </p:nvSpPr>
+        <p:spPr>
+          <a:xfrm>
+            <a:off x="0" y="2084851"/>
+            <a:ext cx="12192000" cy="2404863"/>
+          </a:xfrm>
+        </p:spPr>
+        <p:txBody>
+          <a:bodyPr anchor="ctr">
+            <a:normAutofit/>
+          </a:bodyPr>
+          <a:lstStyle/>
+          <a:p>
+            <a:pPr algn="ctr">
+              <a:buNone/>
+            </a:pPr>
+            <a:r>
+              <a:rPr lang="zh-TW" altLang="en-US" sz="6400" b="1" dirty="0">
                 <a:solidFill>
                   <a:srgbClr val="660033"/>
                 </a:solidFill>
                 <a:latin typeface="微軟正黑體" pitchFamily="34" charset="-120"/>
                 <a:ea typeface="微軟正黑體" pitchFamily="34" charset="-120"/>
               </a:rPr>
-              <a:t>不住的歌唱</a:t>
-            </a:r>
-          </a:p>
-        </p:txBody>
-      </p:sp>
-      <p:sp>
-        <p:nvSpPr>
-          <p:cNvPr id="5" name="內容版面配置區 4"/>
-          <p:cNvSpPr>
-            <a:spLocks noGrp="1"/>
-          </p:cNvSpPr>
-          <p:nvPr>
-            <p:ph idx="1"/>
-          </p:nvPr>
-        </p:nvSpPr>
-        <p:spPr/>
-        <p:txBody>
-          <a:bodyPr>
-            <a:normAutofit/>
-          </a:bodyPr>
-          <a:lstStyle/>
+              <a:t>安心不懼怕我必引領</a:t>
+            </a:r>
+          </a:p>
           <a:p>
             <a:pPr algn="ctr">
               <a:buNone/>
             </a:pPr>
             <a:r>
-              <a:rPr lang="zh-TW" altLang="en-US" sz="5400" b="1" dirty="0">
+              <a:rPr lang="zh-TW" altLang="en-US" sz="6400" b="1" dirty="0">
                 <a:solidFill>
                   <a:srgbClr val="660033"/>
                 </a:solidFill>
                 <a:latin typeface="微軟正黑體" pitchFamily="34" charset="-120"/>
                 <a:ea typeface="微軟正黑體" pitchFamily="34" charset="-120"/>
               </a:rPr>
-              <a:t>罪惡騷擾使我心斷弦</a:t>
-            </a:r>
-          </a:p>
-          <a:p>
-            <a:pPr algn="ctr">
-              <a:buNone/>
-            </a:pPr>
-            <a:r>
-              <a:rPr lang="zh-TW" altLang="en-US" sz="5400" b="1" dirty="0">
-                <a:solidFill>
-                  <a:srgbClr val="660033"/>
-                </a:solidFill>
-                <a:latin typeface="微軟正黑體" pitchFamily="34" charset="-120"/>
-                <a:ea typeface="微軟正黑體" pitchFamily="34" charset="-120"/>
-              </a:rPr>
-              <a:t>曲不和諧何痛心</a:t>
-            </a:r>
-          </a:p>
-          <a:p>
-            <a:pPr algn="ctr">
-              <a:buNone/>
-            </a:pPr>
-            <a:r>
-              <a:rPr lang="zh-TW" altLang="en-US" sz="5400" b="1" dirty="0">
-                <a:solidFill>
-                  <a:srgbClr val="660033"/>
-                </a:solidFill>
-                <a:latin typeface="微軟正黑體" pitchFamily="34" charset="-120"/>
-                <a:ea typeface="微軟正黑體" pitchFamily="34" charset="-120"/>
-              </a:rPr>
-              <a:t>幸得耶穌調音續斷弦</a:t>
-            </a:r>
-          </a:p>
-          <a:p>
-            <a:pPr algn="ctr">
-              <a:buNone/>
-            </a:pPr>
-            <a:r>
-              <a:rPr lang="zh-TW" altLang="en-US" sz="5400" b="1" dirty="0">
-                <a:solidFill>
-                  <a:srgbClr val="660033"/>
-                </a:solidFill>
-                <a:latin typeface="微軟正黑體" pitchFamily="34" charset="-120"/>
-                <a:ea typeface="微軟正黑體" pitchFamily="34" charset="-120"/>
-              </a:rPr>
-              <a:t>再發悠揚美妙音</a:t>
-            </a:r>
+              <a:t>生命潮流的路程</a:t>
+            </a:r>
+            <a:endParaRPr lang="zh-TW" altLang="en-US" sz="6400" b="1" dirty="0">
+              <a:solidFill>
+                <a:srgbClr val="660033"/>
+              </a:solidFill>
+              <a:latin typeface="微軟正黑體" pitchFamily="34" charset="-120"/>
+              <a:ea typeface="微軟正黑體" pitchFamily="34" charset="-120"/>
+            </a:endParaRPr>
+          </a:p>
+        </p:txBody>
+      </p:sp>
+      <p:sp>
+        <p:nvSpPr>
+          <p:cNvPr id="3" name="TextBox 2"/>
+          <p:cNvSpPr txBox="1"/>
+          <p:nvPr/>
+        </p:nvSpPr>
+        <p:spPr>
+          <a:xfrm>
+            <a:off x="0" y="5061182"/>
+            <a:ext cx="12192000" cy="830997"/>
+          </a:xfrm>
+          <a:prstGeom prst="rect">
+            <a:avLst/>
+          </a:prstGeom>
+          <a:noFill/>
+        </p:spPr>
+        <p:txBody>
+          <a:bodyPr wrap="square" rtlCol="0">
+            <a:spAutoFit/>
+          </a:bodyPr>
+          <a:lstStyle/>
+          <a:p>
+            <a:pPr algn="ctr"/>
+            <a:r>
+              <a:rPr lang="en-US" sz="4800" b="1" dirty="0">
+                <a:solidFill>
+                  <a:srgbClr val="660033"/>
+                </a:solidFill>
+              </a:rPr>
+              <a:t>( 1 )</a:t>
+            </a:r>
+            <a:endParaRPr lang="vi-VN" sz="4800" b="1" dirty="0">
+              <a:solidFill>
+                <a:srgbClr val="660033"/>
+              </a:solidFill>
+            </a:endParaRPr>
           </a:p>
         </p:txBody>
       </p:sp>
     </p:spTree>
+    <p:extLst>
+      <p:ext uri="{BB962C8B-B14F-4D97-AF65-F5344CB8AC3E}">
+        <p14:creationId xmlns:p14="http://schemas.microsoft.com/office/powerpoint/2010/main" val="573524992"/>
+      </p:ext>
+    </p:extLst>
   </p:cSld>
   <p:clrMapOvr>
     <a:masterClrMapping/>
   </p:clrMapOvr>
+  <p:timing>
+    <p:tnLst>
+      <p:par>
+        <p:cTn id="1" dur="indefinite" restart="never" nodeType="tmRoot"/>
+      </p:par>
+    </p:tnLst>
+  </p:timing>
 </p:sld>
 </file>
 
@@ -3470,76 +4099,58 @@
       </p:grpSpPr>
       <p:sp>
         <p:nvSpPr>
-          <p:cNvPr id="4" name="標題 3"/>
-          <p:cNvSpPr>
-            <a:spLocks noGrp="1"/>
-          </p:cNvSpPr>
-          <p:nvPr>
-            <p:ph type="title"/>
-          </p:nvPr>
-        </p:nvSpPr>
-        <p:spPr/>
-        <p:txBody>
-          <a:bodyPr/>
-          <a:lstStyle/>
-          <a:p>
-            <a:r>
-              <a:rPr lang="zh-TW" altLang="en-US" b="1" dirty="0">
+          <p:cNvPr id="5" name="內容版面配置區 4"/>
+          <p:cNvSpPr>
+            <a:spLocks noGrp="1"/>
+          </p:cNvSpPr>
+          <p:nvPr>
+            <p:ph idx="1"/>
+          </p:nvPr>
+        </p:nvSpPr>
+        <p:spPr>
+          <a:xfrm>
+            <a:off x="0" y="2084851"/>
+            <a:ext cx="12192000" cy="2404863"/>
+          </a:xfrm>
+        </p:spPr>
+        <p:txBody>
+          <a:bodyPr anchor="ctr">
+            <a:normAutofit/>
+          </a:bodyPr>
+          <a:lstStyle/>
+          <a:p>
+            <a:pPr algn="ctr">
+              <a:buNone/>
+            </a:pPr>
+            <a:r>
+              <a:rPr lang="zh-TW" altLang="en-US" sz="6400" b="1" dirty="0">
                 <a:solidFill>
                   <a:srgbClr val="660033"/>
                 </a:solidFill>
                 <a:latin typeface="微軟正黑體" pitchFamily="34" charset="-120"/>
                 <a:ea typeface="微軟正黑體" pitchFamily="34" charset="-120"/>
               </a:rPr>
-              <a:t>不住的歌唱</a:t>
-            </a:r>
-          </a:p>
-        </p:txBody>
-      </p:sp>
-      <p:sp>
-        <p:nvSpPr>
-          <p:cNvPr id="5" name="內容版面配置區 4"/>
-          <p:cNvSpPr>
-            <a:spLocks noGrp="1"/>
-          </p:cNvSpPr>
-          <p:nvPr>
-            <p:ph idx="1"/>
-          </p:nvPr>
-        </p:nvSpPr>
-        <p:spPr/>
-        <p:txBody>
-          <a:bodyPr>
-            <a:normAutofit/>
-          </a:bodyPr>
-          <a:lstStyle/>
-          <a:p>
-            <a:pPr algn="ctr">
-              <a:buNone/>
-            </a:pPr>
-            <a:r>
-              <a:rPr lang="zh-TW" altLang="en-US" sz="5400" b="1" dirty="0">
+              <a:t>耶穌  耶穌  耶穌  至寶貴</a:t>
+            </a:r>
+            <a:r>
+              <a:rPr lang="zh-CN" altLang="en-US" sz="6400" b="1" dirty="0">
                 <a:solidFill>
                   <a:srgbClr val="660033"/>
                 </a:solidFill>
                 <a:latin typeface="微軟正黑體" pitchFamily="34" charset="-120"/>
                 <a:ea typeface="微軟正黑體" pitchFamily="34" charset="-120"/>
               </a:rPr>
-              <a:t>耶穌 耶穌 耶穌</a:t>
-            </a:r>
-          </a:p>
-          <a:p>
-            <a:pPr algn="ctr">
-              <a:buNone/>
-            </a:pPr>
-            <a:r>
-              <a:rPr lang="zh-TW" altLang="en-US" sz="5400" b="1" dirty="0">
+              <a:t>尊</a:t>
+            </a:r>
+            <a:r>
+              <a:rPr lang="zh-TW" altLang="en-US" sz="6400" b="1" dirty="0">
                 <a:solidFill>
                   <a:srgbClr val="660033"/>
                 </a:solidFill>
                 <a:latin typeface="微軟正黑體" pitchFamily="34" charset="-120"/>
                 <a:ea typeface="微軟正黑體" pitchFamily="34" charset="-120"/>
               </a:rPr>
-              <a:t>至寶貴聖名</a:t>
+              <a:t>名</a:t>
             </a:r>
           </a:p>
           <a:p>
@@ -3547,38 +4158,72 @@
               <a:buNone/>
             </a:pPr>
             <a:r>
-              <a:rPr lang="zh-TW" altLang="en-US" sz="5400" b="1" dirty="0">
+              <a:rPr lang="zh-TW" altLang="en-US" sz="6400" b="1" dirty="0">
                 <a:solidFill>
                   <a:srgbClr val="660033"/>
                 </a:solidFill>
                 <a:latin typeface="微軟正黑體" pitchFamily="34" charset="-120"/>
                 <a:ea typeface="微軟正黑體" pitchFamily="34" charset="-120"/>
               </a:rPr>
-              <a:t>滿我心所渴慕</a:t>
-            </a:r>
-          </a:p>
-          <a:p>
-            <a:pPr algn="ctr">
-              <a:buNone/>
-            </a:pPr>
-            <a:r>
-              <a:rPr lang="zh-TW" altLang="en-US" sz="5400" b="1" dirty="0">
+              <a:t>滿我心所渴慕  領我快樂</a:t>
+            </a:r>
+            <a:r>
+              <a:rPr lang="zh-CN" altLang="en-US" sz="6400" b="1" dirty="0">
                 <a:solidFill>
                   <a:srgbClr val="660033"/>
                 </a:solidFill>
                 <a:latin typeface="微軟正黑體" pitchFamily="34" charset="-120"/>
                 <a:ea typeface="微軟正黑體" pitchFamily="34" charset="-120"/>
               </a:rPr>
-              <a:t>領我快樂走天路</a:t>
-            </a:r>
+              <a:t>往</a:t>
+            </a:r>
+            <a:r>
+              <a:rPr lang="zh-TW" altLang="en-US" sz="6400" b="1" dirty="0">
+                <a:solidFill>
+                  <a:srgbClr val="660033"/>
+                </a:solidFill>
+                <a:latin typeface="微軟正黑體" pitchFamily="34" charset="-120"/>
+                <a:ea typeface="微軟正黑體" pitchFamily="34" charset="-120"/>
+              </a:rPr>
+              <a:t>天</a:t>
+            </a:r>
+            <a:r>
+              <a:rPr lang="zh-CN" altLang="en-US" sz="6400" b="1" dirty="0">
+                <a:solidFill>
+                  <a:srgbClr val="660033"/>
+                </a:solidFill>
+                <a:latin typeface="微軟正黑體" pitchFamily="34" charset="-120"/>
+                <a:ea typeface="微軟正黑體" pitchFamily="34" charset="-120"/>
+              </a:rPr>
+              <a:t>行</a:t>
+            </a:r>
+            <a:endParaRPr lang="zh-TW" altLang="en-US" sz="6400" b="1" dirty="0">
+              <a:solidFill>
+                <a:srgbClr val="660033"/>
+              </a:solidFill>
+              <a:latin typeface="微軟正黑體" pitchFamily="34" charset="-120"/>
+              <a:ea typeface="微軟正黑體" pitchFamily="34" charset="-120"/>
+            </a:endParaRPr>
           </a:p>
         </p:txBody>
       </p:sp>
     </p:spTree>
+    <p:extLst>
+      <p:ext uri="{BB962C8B-B14F-4D97-AF65-F5344CB8AC3E}">
+        <p14:creationId xmlns:p14="http://schemas.microsoft.com/office/powerpoint/2010/main" val="649499568"/>
+      </p:ext>
+    </p:extLst>
   </p:cSld>
   <p:clrMapOvr>
     <a:masterClrMapping/>
   </p:clrMapOvr>
+  <p:timing>
+    <p:tnLst>
+      <p:par>
+        <p:cTn id="1" dur="indefinite" restart="never" nodeType="tmRoot"/>
+      </p:par>
+    </p:tnLst>
+  </p:timing>
 </p:sld>
 </file>
 
@@ -3601,115 +4246,120 @@
       </p:grpSpPr>
       <p:sp>
         <p:nvSpPr>
-          <p:cNvPr id="4" name="標題 3"/>
-          <p:cNvSpPr>
-            <a:spLocks noGrp="1"/>
-          </p:cNvSpPr>
-          <p:nvPr>
-            <p:ph type="title"/>
-          </p:nvPr>
-        </p:nvSpPr>
-        <p:spPr/>
-        <p:txBody>
-          <a:bodyPr/>
-          <a:lstStyle/>
-          <a:p>
-            <a:r>
-              <a:rPr lang="zh-TW" altLang="en-US" b="1" dirty="0">
+          <p:cNvPr id="5" name="內容版面配置區 4"/>
+          <p:cNvSpPr>
+            <a:spLocks noGrp="1"/>
+          </p:cNvSpPr>
+          <p:nvPr>
+            <p:ph idx="1"/>
+          </p:nvPr>
+        </p:nvSpPr>
+        <p:spPr>
+          <a:xfrm>
+            <a:off x="0" y="2084851"/>
+            <a:ext cx="12192000" cy="2404863"/>
+          </a:xfrm>
+        </p:spPr>
+        <p:txBody>
+          <a:bodyPr anchor="ctr">
+            <a:normAutofit/>
+          </a:bodyPr>
+          <a:lstStyle/>
+          <a:p>
+            <a:pPr algn="ctr">
+              <a:buNone/>
+            </a:pPr>
+            <a:r>
+              <a:rPr lang="zh-TW" altLang="en-US" sz="6400" b="1" dirty="0">
                 <a:solidFill>
                   <a:srgbClr val="660033"/>
                 </a:solidFill>
                 <a:latin typeface="微軟正黑體" pitchFamily="34" charset="-120"/>
                 <a:ea typeface="微軟正黑體" pitchFamily="34" charset="-120"/>
               </a:rPr>
-              <a:t>不住的歌唱</a:t>
-            </a:r>
-          </a:p>
-        </p:txBody>
-      </p:sp>
-      <p:sp>
-        <p:nvSpPr>
-          <p:cNvPr id="5" name="內容版面配置區 4"/>
-          <p:cNvSpPr>
-            <a:spLocks noGrp="1"/>
-          </p:cNvSpPr>
-          <p:nvPr>
-            <p:ph idx="1"/>
-          </p:nvPr>
-        </p:nvSpPr>
-        <p:spPr/>
-        <p:txBody>
-          <a:bodyPr>
-            <a:normAutofit/>
-          </a:bodyPr>
-          <a:lstStyle/>
+              <a:t>罪惡騷擾使我心弦斷</a:t>
+            </a:r>
+          </a:p>
           <a:p>
             <a:pPr algn="ctr">
               <a:buNone/>
             </a:pPr>
             <a:r>
-              <a:rPr lang="zh-TW" altLang="en-US" sz="5400" b="1" dirty="0">
+              <a:rPr lang="zh-TW" altLang="en-US" sz="6400" b="1" dirty="0">
                 <a:solidFill>
                   <a:srgbClr val="660033"/>
                 </a:solidFill>
                 <a:latin typeface="微軟正黑體" pitchFamily="34" charset="-120"/>
                 <a:ea typeface="微軟正黑體" pitchFamily="34" charset="-120"/>
               </a:rPr>
-              <a:t>主恩厚賜我美好筵席</a:t>
-            </a:r>
-          </a:p>
-          <a:p>
-            <a:pPr algn="ctr">
-              <a:buNone/>
-            </a:pPr>
-            <a:r>
-              <a:rPr lang="zh-TW" altLang="en-US" sz="5400" b="1" dirty="0">
-                <a:solidFill>
-                  <a:srgbClr val="660033"/>
-                </a:solidFill>
-                <a:latin typeface="微軟正黑體" pitchFamily="34" charset="-120"/>
-                <a:ea typeface="微軟正黑體" pitchFamily="34" charset="-120"/>
-              </a:rPr>
-              <a:t>在主翅膀下安息</a:t>
-            </a:r>
-          </a:p>
-          <a:p>
-            <a:pPr algn="ctr">
-              <a:buNone/>
-            </a:pPr>
-            <a:r>
-              <a:rPr lang="zh-TW" altLang="en-US" sz="5400" b="1" dirty="0">
-                <a:solidFill>
-                  <a:srgbClr val="660033"/>
-                </a:solidFill>
-                <a:latin typeface="微軟正黑體" pitchFamily="34" charset="-120"/>
-                <a:ea typeface="微軟正黑體" pitchFamily="34" charset="-120"/>
-              </a:rPr>
-              <a:t>瞻望主笑容我心歡喜</a:t>
-            </a:r>
-          </a:p>
-          <a:p>
-            <a:pPr algn="ctr">
-              <a:buNone/>
-            </a:pPr>
-            <a:r>
-              <a:rPr lang="zh-TW" altLang="en-US" sz="5400" b="1" dirty="0">
-                <a:solidFill>
-                  <a:srgbClr val="660033"/>
-                </a:solidFill>
-                <a:latin typeface="微軟正黑體" pitchFamily="34" charset="-120"/>
-                <a:ea typeface="微軟正黑體" pitchFamily="34" charset="-120"/>
-              </a:rPr>
-              <a:t>故我要歌唱不已</a:t>
-            </a:r>
+              <a:t>曲不和諧何痛心</a:t>
+            </a:r>
+            <a:endParaRPr lang="zh-TW" altLang="en-US" sz="6400" b="1" dirty="0">
+              <a:solidFill>
+                <a:srgbClr val="660033"/>
+              </a:solidFill>
+              <a:latin typeface="微軟正黑體" pitchFamily="34" charset="-120"/>
+              <a:ea typeface="微軟正黑體" pitchFamily="34" charset="-120"/>
+            </a:endParaRPr>
+          </a:p>
+        </p:txBody>
+      </p:sp>
+      <p:sp>
+        <p:nvSpPr>
+          <p:cNvPr id="3" name="TextBox 2"/>
+          <p:cNvSpPr txBox="1"/>
+          <p:nvPr/>
+        </p:nvSpPr>
+        <p:spPr>
+          <a:xfrm>
+            <a:off x="0" y="5061182"/>
+            <a:ext cx="12192000" cy="830997"/>
+          </a:xfrm>
+          <a:prstGeom prst="rect">
+            <a:avLst/>
+          </a:prstGeom>
+          <a:noFill/>
+        </p:spPr>
+        <p:txBody>
+          <a:bodyPr wrap="square" rtlCol="0">
+            <a:spAutoFit/>
+          </a:bodyPr>
+          <a:lstStyle/>
+          <a:p>
+            <a:pPr algn="ctr"/>
+            <a:r>
+              <a:rPr lang="en-US" sz="4800" b="1" dirty="0">
+                <a:solidFill>
+                  <a:srgbClr val="660033"/>
+                </a:solidFill>
+              </a:rPr>
+              <a:t>( 2 )</a:t>
+            </a:r>
+            <a:endParaRPr lang="vi-VN" sz="4800" b="1" dirty="0">
+              <a:solidFill>
+                <a:srgbClr val="660033"/>
+              </a:solidFill>
+            </a:endParaRPr>
           </a:p>
         </p:txBody>
       </p:sp>
     </p:spTree>
+    <p:extLst>
+      <p:ext uri="{BB962C8B-B14F-4D97-AF65-F5344CB8AC3E}">
+        <p14:creationId xmlns:p14="http://schemas.microsoft.com/office/powerpoint/2010/main" val="2931928562"/>
+      </p:ext>
+    </p:extLst>
   </p:cSld>
   <p:clrMapOvr>
     <a:masterClrMapping/>
   </p:clrMapOvr>
+  <p:timing>
+    <p:tnLst>
+      <p:par>
+        <p:cTn id="1" dur="indefinite" restart="never" nodeType="tmRoot"/>
+      </p:par>
+    </p:tnLst>
+  </p:timing>
 </p:sld>
 </file>
 
@@ -3732,115 +4382,120 @@
       </p:grpSpPr>
       <p:sp>
         <p:nvSpPr>
-          <p:cNvPr id="4" name="標題 3"/>
-          <p:cNvSpPr>
-            <a:spLocks noGrp="1"/>
-          </p:cNvSpPr>
-          <p:nvPr>
-            <p:ph type="title"/>
-          </p:nvPr>
-        </p:nvSpPr>
-        <p:spPr/>
-        <p:txBody>
-          <a:bodyPr/>
-          <a:lstStyle/>
-          <a:p>
-            <a:r>
-              <a:rPr lang="zh-TW" altLang="en-US" b="1" dirty="0">
+          <p:cNvPr id="5" name="內容版面配置區 4"/>
+          <p:cNvSpPr>
+            <a:spLocks noGrp="1"/>
+          </p:cNvSpPr>
+          <p:nvPr>
+            <p:ph idx="1"/>
+          </p:nvPr>
+        </p:nvSpPr>
+        <p:spPr>
+          <a:xfrm>
+            <a:off x="0" y="2084851"/>
+            <a:ext cx="12192000" cy="2404863"/>
+          </a:xfrm>
+        </p:spPr>
+        <p:txBody>
+          <a:bodyPr anchor="ctr">
+            <a:normAutofit/>
+          </a:bodyPr>
+          <a:lstStyle/>
+          <a:p>
+            <a:pPr algn="ctr">
+              <a:buNone/>
+            </a:pPr>
+            <a:r>
+              <a:rPr lang="zh-TW" altLang="en-US" sz="6400" b="1" dirty="0">
                 <a:solidFill>
                   <a:srgbClr val="660033"/>
                 </a:solidFill>
                 <a:latin typeface="微軟正黑體" pitchFamily="34" charset="-120"/>
                 <a:ea typeface="微軟正黑體" pitchFamily="34" charset="-120"/>
               </a:rPr>
-              <a:t>不住的歌唱</a:t>
-            </a:r>
-          </a:p>
-        </p:txBody>
-      </p:sp>
-      <p:sp>
-        <p:nvSpPr>
-          <p:cNvPr id="5" name="內容版面配置區 4"/>
-          <p:cNvSpPr>
-            <a:spLocks noGrp="1"/>
-          </p:cNvSpPr>
-          <p:nvPr>
-            <p:ph idx="1"/>
-          </p:nvPr>
-        </p:nvSpPr>
-        <p:spPr/>
-        <p:txBody>
-          <a:bodyPr>
-            <a:normAutofit/>
-          </a:bodyPr>
-          <a:lstStyle/>
+              <a:t>幸得耶穌調音續斷弦</a:t>
+            </a:r>
+          </a:p>
           <a:p>
             <a:pPr algn="ctr">
               <a:buNone/>
             </a:pPr>
             <a:r>
-              <a:rPr lang="zh-TW" altLang="en-US" sz="5400" b="1" dirty="0">
+              <a:rPr lang="zh-TW" altLang="en-US" sz="6400" b="1" dirty="0">
                 <a:solidFill>
                   <a:srgbClr val="660033"/>
                 </a:solidFill>
                 <a:latin typeface="微軟正黑體" pitchFamily="34" charset="-120"/>
                 <a:ea typeface="微軟正黑體" pitchFamily="34" charset="-120"/>
               </a:rPr>
-              <a:t>耶穌 耶穌 耶穌</a:t>
-            </a:r>
-          </a:p>
-          <a:p>
-            <a:pPr algn="ctr">
-              <a:buNone/>
-            </a:pPr>
-            <a:r>
-              <a:rPr lang="zh-TW" altLang="en-US" sz="5400" b="1" dirty="0">
-                <a:solidFill>
-                  <a:srgbClr val="660033"/>
-                </a:solidFill>
-                <a:latin typeface="微軟正黑體" pitchFamily="34" charset="-120"/>
-                <a:ea typeface="微軟正黑體" pitchFamily="34" charset="-120"/>
-              </a:rPr>
-              <a:t>至寶貴聖名</a:t>
-            </a:r>
-          </a:p>
-          <a:p>
-            <a:pPr algn="ctr">
-              <a:buNone/>
-            </a:pPr>
-            <a:r>
-              <a:rPr lang="zh-TW" altLang="en-US" sz="5400" b="1" dirty="0">
-                <a:solidFill>
-                  <a:srgbClr val="660033"/>
-                </a:solidFill>
-                <a:latin typeface="微軟正黑體" pitchFamily="34" charset="-120"/>
-                <a:ea typeface="微軟正黑體" pitchFamily="34" charset="-120"/>
-              </a:rPr>
-              <a:t>滿我心所渴慕</a:t>
-            </a:r>
-          </a:p>
-          <a:p>
-            <a:pPr algn="ctr">
-              <a:buNone/>
-            </a:pPr>
-            <a:r>
-              <a:rPr lang="zh-TW" altLang="en-US" sz="5400" b="1" dirty="0">
-                <a:solidFill>
-                  <a:srgbClr val="660033"/>
-                </a:solidFill>
-                <a:latin typeface="微軟正黑體" pitchFamily="34" charset="-120"/>
-                <a:ea typeface="微軟正黑體" pitchFamily="34" charset="-120"/>
-              </a:rPr>
-              <a:t>領我快樂走天路</a:t>
-            </a:r>
+              <a:t>再發悠揚美妙音</a:t>
+            </a:r>
+            <a:endParaRPr lang="zh-TW" altLang="en-US" sz="6400" b="1" dirty="0">
+              <a:solidFill>
+                <a:srgbClr val="660033"/>
+              </a:solidFill>
+              <a:latin typeface="微軟正黑體" pitchFamily="34" charset="-120"/>
+              <a:ea typeface="微軟正黑體" pitchFamily="34" charset="-120"/>
+            </a:endParaRPr>
+          </a:p>
+        </p:txBody>
+      </p:sp>
+      <p:sp>
+        <p:nvSpPr>
+          <p:cNvPr id="3" name="TextBox 2"/>
+          <p:cNvSpPr txBox="1"/>
+          <p:nvPr/>
+        </p:nvSpPr>
+        <p:spPr>
+          <a:xfrm>
+            <a:off x="0" y="5061182"/>
+            <a:ext cx="12192000" cy="830997"/>
+          </a:xfrm>
+          <a:prstGeom prst="rect">
+            <a:avLst/>
+          </a:prstGeom>
+          <a:noFill/>
+        </p:spPr>
+        <p:txBody>
+          <a:bodyPr wrap="square" rtlCol="0">
+            <a:spAutoFit/>
+          </a:bodyPr>
+          <a:lstStyle/>
+          <a:p>
+            <a:pPr algn="ctr"/>
+            <a:r>
+              <a:rPr lang="en-US" sz="4800" b="1" dirty="0">
+                <a:solidFill>
+                  <a:srgbClr val="660033"/>
+                </a:solidFill>
+              </a:rPr>
+              <a:t>( 2 )</a:t>
+            </a:r>
+            <a:endParaRPr lang="vi-VN" sz="4800" b="1" dirty="0">
+              <a:solidFill>
+                <a:srgbClr val="660033"/>
+              </a:solidFill>
+            </a:endParaRPr>
           </a:p>
         </p:txBody>
       </p:sp>
     </p:spTree>
+    <p:extLst>
+      <p:ext uri="{BB962C8B-B14F-4D97-AF65-F5344CB8AC3E}">
+        <p14:creationId xmlns:p14="http://schemas.microsoft.com/office/powerpoint/2010/main" val="1986179510"/>
+      </p:ext>
+    </p:extLst>
   </p:cSld>
   <p:clrMapOvr>
     <a:masterClrMapping/>
   </p:clrMapOvr>
+  <p:timing>
+    <p:tnLst>
+      <p:par>
+        <p:cTn id="1" dur="indefinite" restart="never" nodeType="tmRoot"/>
+      </p:par>
+    </p:tnLst>
+  </p:timing>
 </p:sld>
 </file>
 
@@ -3863,76 +4518,58 @@
       </p:grpSpPr>
       <p:sp>
         <p:nvSpPr>
-          <p:cNvPr id="4" name="標題 3"/>
-          <p:cNvSpPr>
-            <a:spLocks noGrp="1"/>
-          </p:cNvSpPr>
-          <p:nvPr>
-            <p:ph type="title"/>
-          </p:nvPr>
-        </p:nvSpPr>
-        <p:spPr/>
-        <p:txBody>
-          <a:bodyPr/>
-          <a:lstStyle/>
-          <a:p>
-            <a:r>
-              <a:rPr lang="zh-TW" altLang="en-US" b="1" dirty="0">
+          <p:cNvPr id="5" name="內容版面配置區 4"/>
+          <p:cNvSpPr>
+            <a:spLocks noGrp="1"/>
+          </p:cNvSpPr>
+          <p:nvPr>
+            <p:ph idx="1"/>
+          </p:nvPr>
+        </p:nvSpPr>
+        <p:spPr>
+          <a:xfrm>
+            <a:off x="0" y="2084851"/>
+            <a:ext cx="12192000" cy="2404863"/>
+          </a:xfrm>
+        </p:spPr>
+        <p:txBody>
+          <a:bodyPr anchor="ctr">
+            <a:normAutofit/>
+          </a:bodyPr>
+          <a:lstStyle/>
+          <a:p>
+            <a:pPr algn="ctr">
+              <a:buNone/>
+            </a:pPr>
+            <a:r>
+              <a:rPr lang="zh-TW" altLang="en-US" sz="6400" b="1" dirty="0">
                 <a:solidFill>
                   <a:srgbClr val="660033"/>
                 </a:solidFill>
                 <a:latin typeface="微軟正黑體" pitchFamily="34" charset="-120"/>
                 <a:ea typeface="微軟正黑體" pitchFamily="34" charset="-120"/>
               </a:rPr>
-              <a:t>不住的歌唱</a:t>
-            </a:r>
-          </a:p>
-        </p:txBody>
-      </p:sp>
-      <p:sp>
-        <p:nvSpPr>
-          <p:cNvPr id="5" name="內容版面配置區 4"/>
-          <p:cNvSpPr>
-            <a:spLocks noGrp="1"/>
-          </p:cNvSpPr>
-          <p:nvPr>
-            <p:ph idx="1"/>
-          </p:nvPr>
-        </p:nvSpPr>
-        <p:spPr/>
-        <p:txBody>
-          <a:bodyPr>
-            <a:normAutofit/>
-          </a:bodyPr>
-          <a:lstStyle/>
-          <a:p>
-            <a:pPr algn="ctr">
-              <a:buNone/>
-            </a:pPr>
-            <a:r>
-              <a:rPr lang="zh-TW" altLang="en-US" sz="5400" b="1" dirty="0">
+              <a:t>耶穌  耶穌  耶穌  至寶貴</a:t>
+            </a:r>
+            <a:r>
+              <a:rPr lang="zh-CN" altLang="en-US" sz="6400" b="1" dirty="0">
                 <a:solidFill>
                   <a:srgbClr val="660033"/>
                 </a:solidFill>
                 <a:latin typeface="微軟正黑體" pitchFamily="34" charset="-120"/>
                 <a:ea typeface="微軟正黑體" pitchFamily="34" charset="-120"/>
               </a:rPr>
-              <a:t>有時主領過深水之苦</a:t>
-            </a:r>
-          </a:p>
-          <a:p>
-            <a:pPr algn="ctr">
-              <a:buNone/>
-            </a:pPr>
-            <a:r>
-              <a:rPr lang="zh-TW" altLang="en-US" sz="5400" b="1" dirty="0">
+              <a:t>尊</a:t>
+            </a:r>
+            <a:r>
+              <a:rPr lang="zh-TW" altLang="en-US" sz="6400" b="1" dirty="0">
                 <a:solidFill>
                   <a:srgbClr val="660033"/>
                 </a:solidFill>
                 <a:latin typeface="微軟正黑體" pitchFamily="34" charset="-120"/>
                 <a:ea typeface="微軟正黑體" pitchFamily="34" charset="-120"/>
               </a:rPr>
-              <a:t>試煉滿佈我前途</a:t>
+              <a:t>名</a:t>
             </a:r>
           </a:p>
           <a:p>
@@ -3940,38 +4577,72 @@
               <a:buNone/>
             </a:pPr>
             <a:r>
-              <a:rPr lang="zh-TW" altLang="en-US" sz="5400" b="1" dirty="0">
+              <a:rPr lang="zh-TW" altLang="en-US" sz="6400" b="1" dirty="0">
                 <a:solidFill>
                   <a:srgbClr val="660033"/>
                 </a:solidFill>
                 <a:latin typeface="微軟正黑體" pitchFamily="34" charset="-120"/>
                 <a:ea typeface="微軟正黑體" pitchFamily="34" charset="-120"/>
               </a:rPr>
-              <a:t>有時經歷崎嶇險峻谷</a:t>
-            </a:r>
-          </a:p>
-          <a:p>
-            <a:pPr algn="ctr">
-              <a:buNone/>
-            </a:pPr>
-            <a:r>
-              <a:rPr lang="zh-TW" altLang="en-US" sz="5400" b="1" dirty="0">
+              <a:t>滿我心所渴慕  領我快樂</a:t>
+            </a:r>
+            <a:r>
+              <a:rPr lang="zh-CN" altLang="en-US" sz="6400" b="1" dirty="0">
                 <a:solidFill>
                   <a:srgbClr val="660033"/>
                 </a:solidFill>
                 <a:latin typeface="微軟正黑體" pitchFamily="34" charset="-120"/>
                 <a:ea typeface="微軟正黑體" pitchFamily="34" charset="-120"/>
               </a:rPr>
-              <a:t>惟要跟隨主腳步</a:t>
-            </a:r>
+              <a:t>往</a:t>
+            </a:r>
+            <a:r>
+              <a:rPr lang="zh-TW" altLang="en-US" sz="6400" b="1" dirty="0">
+                <a:solidFill>
+                  <a:srgbClr val="660033"/>
+                </a:solidFill>
+                <a:latin typeface="微軟正黑體" pitchFamily="34" charset="-120"/>
+                <a:ea typeface="微軟正黑體" pitchFamily="34" charset="-120"/>
+              </a:rPr>
+              <a:t>天</a:t>
+            </a:r>
+            <a:r>
+              <a:rPr lang="zh-CN" altLang="en-US" sz="6400" b="1" dirty="0">
+                <a:solidFill>
+                  <a:srgbClr val="660033"/>
+                </a:solidFill>
+                <a:latin typeface="微軟正黑體" pitchFamily="34" charset="-120"/>
+                <a:ea typeface="微軟正黑體" pitchFamily="34" charset="-120"/>
+              </a:rPr>
+              <a:t>行</a:t>
+            </a:r>
+            <a:endParaRPr lang="zh-TW" altLang="en-US" sz="6400" b="1" dirty="0">
+              <a:solidFill>
+                <a:srgbClr val="660033"/>
+              </a:solidFill>
+              <a:latin typeface="微軟正黑體" pitchFamily="34" charset="-120"/>
+              <a:ea typeface="微軟正黑體" pitchFamily="34" charset="-120"/>
+            </a:endParaRPr>
           </a:p>
         </p:txBody>
       </p:sp>
     </p:spTree>
+    <p:extLst>
+      <p:ext uri="{BB962C8B-B14F-4D97-AF65-F5344CB8AC3E}">
+        <p14:creationId xmlns:p14="http://schemas.microsoft.com/office/powerpoint/2010/main" val="2645352227"/>
+      </p:ext>
+    </p:extLst>
   </p:cSld>
   <p:clrMapOvr>
     <a:masterClrMapping/>
   </p:clrMapOvr>
+  <p:timing>
+    <p:tnLst>
+      <p:par>
+        <p:cTn id="1" dur="indefinite" restart="never" nodeType="tmRoot"/>
+      </p:par>
+    </p:tnLst>
+  </p:timing>
 </p:sld>
 </file>
 
@@ -3994,115 +4665,292 @@
       </p:grpSpPr>
       <p:sp>
         <p:nvSpPr>
-          <p:cNvPr id="4" name="標題 3"/>
-          <p:cNvSpPr>
-            <a:spLocks noGrp="1"/>
-          </p:cNvSpPr>
-          <p:nvPr>
-            <p:ph type="title"/>
-          </p:nvPr>
-        </p:nvSpPr>
-        <p:spPr/>
-        <p:txBody>
-          <a:bodyPr/>
-          <a:lstStyle/>
-          <a:p>
-            <a:r>
-              <a:rPr lang="zh-TW" altLang="en-US" b="1" dirty="0">
+          <p:cNvPr id="5" name="內容版面配置區 4"/>
+          <p:cNvSpPr>
+            <a:spLocks noGrp="1"/>
+          </p:cNvSpPr>
+          <p:nvPr>
+            <p:ph idx="1"/>
+          </p:nvPr>
+        </p:nvSpPr>
+        <p:spPr>
+          <a:xfrm>
+            <a:off x="0" y="2084851"/>
+            <a:ext cx="12192000" cy="2404863"/>
+          </a:xfrm>
+        </p:spPr>
+        <p:txBody>
+          <a:bodyPr anchor="ctr">
+            <a:normAutofit/>
+          </a:bodyPr>
+          <a:lstStyle/>
+          <a:p>
+            <a:pPr algn="ctr">
+              <a:buNone/>
+            </a:pPr>
+            <a:r>
+              <a:rPr lang="zh-TW" altLang="en-US" sz="6400" b="1" dirty="0">
                 <a:solidFill>
                   <a:srgbClr val="660033"/>
                 </a:solidFill>
                 <a:latin typeface="微軟正黑體" pitchFamily="34" charset="-120"/>
                 <a:ea typeface="微軟正黑體" pitchFamily="34" charset="-120"/>
               </a:rPr>
-              <a:t>不住的歌唱</a:t>
-            </a:r>
-          </a:p>
-        </p:txBody>
-      </p:sp>
-      <p:sp>
-        <p:nvSpPr>
-          <p:cNvPr id="5" name="內容版面配置區 4"/>
-          <p:cNvSpPr>
-            <a:spLocks noGrp="1"/>
-          </p:cNvSpPr>
-          <p:nvPr>
-            <p:ph idx="1"/>
-          </p:nvPr>
-        </p:nvSpPr>
-        <p:spPr/>
-        <p:txBody>
-          <a:bodyPr>
-            <a:normAutofit/>
-          </a:bodyPr>
-          <a:lstStyle/>
+              <a:t>主恩厚賜我美好    席</a:t>
+            </a:r>
+          </a:p>
           <a:p>
             <a:pPr algn="ctr">
               <a:buNone/>
             </a:pPr>
             <a:r>
-              <a:rPr lang="zh-TW" altLang="en-US" sz="5400" b="1" dirty="0">
+              <a:rPr lang="zh-TW" altLang="en-US" sz="6400" b="1" dirty="0">
                 <a:solidFill>
                   <a:srgbClr val="660033"/>
                 </a:solidFill>
                 <a:latin typeface="微軟正黑體" pitchFamily="34" charset="-120"/>
                 <a:ea typeface="微軟正黑體" pitchFamily="34" charset="-120"/>
               </a:rPr>
-              <a:t>耶穌 耶穌 耶穌</a:t>
-            </a:r>
-          </a:p>
-          <a:p>
-            <a:pPr algn="ctr">
-              <a:buNone/>
-            </a:pPr>
-            <a:r>
-              <a:rPr lang="zh-TW" altLang="en-US" sz="5400" b="1" dirty="0">
+              <a:t>在主翅膀下安息</a:t>
+            </a:r>
+            <a:endParaRPr lang="zh-TW" altLang="en-US" sz="6400" b="1" dirty="0">
+              <a:solidFill>
+                <a:srgbClr val="660033"/>
+              </a:solidFill>
+              <a:latin typeface="微軟正黑體" pitchFamily="34" charset="-120"/>
+              <a:ea typeface="微軟正黑體" pitchFamily="34" charset="-120"/>
+            </a:endParaRPr>
+          </a:p>
+        </p:txBody>
+      </p:sp>
+      <p:sp>
+        <p:nvSpPr>
+          <p:cNvPr id="3" name="TextBox 2"/>
+          <p:cNvSpPr txBox="1"/>
+          <p:nvPr/>
+        </p:nvSpPr>
+        <p:spPr>
+          <a:xfrm>
+            <a:off x="0" y="5061182"/>
+            <a:ext cx="12192000" cy="830997"/>
+          </a:xfrm>
+          <a:prstGeom prst="rect">
+            <a:avLst/>
+          </a:prstGeom>
+          <a:noFill/>
+        </p:spPr>
+        <p:txBody>
+          <a:bodyPr wrap="square" rtlCol="0">
+            <a:spAutoFit/>
+          </a:bodyPr>
+          <a:lstStyle/>
+          <a:p>
+            <a:pPr algn="ctr"/>
+            <a:r>
+              <a:rPr lang="en-US" sz="4800" b="1" dirty="0">
+                <a:solidFill>
+                  <a:srgbClr val="660033"/>
+                </a:solidFill>
+              </a:rPr>
+              <a:t>( 3 )</a:t>
+            </a:r>
+            <a:endParaRPr lang="vi-VN" sz="4800" b="1" dirty="0">
+              <a:solidFill>
+                <a:srgbClr val="660033"/>
+              </a:solidFill>
+            </a:endParaRPr>
+          </a:p>
+        </p:txBody>
+      </p:sp>
+      <p:sp>
+        <p:nvSpPr>
+          <p:cNvPr id="2" name="TextBox 1"/>
+          <p:cNvSpPr txBox="1"/>
+          <p:nvPr/>
+        </p:nvSpPr>
+        <p:spPr>
+          <a:xfrm>
+            <a:off x="8016213" y="2151379"/>
+            <a:ext cx="1728192" cy="1077218"/>
+          </a:xfrm>
+          <a:prstGeom prst="rect">
+            <a:avLst/>
+          </a:prstGeom>
+          <a:noFill/>
+        </p:spPr>
+        <p:txBody>
+          <a:bodyPr wrap="square" rtlCol="0">
+            <a:spAutoFit/>
+          </a:bodyPr>
+          <a:lstStyle/>
+          <a:p>
+            <a:r>
+              <a:rPr lang="zh-TW" altLang="en-US" sz="6400" b="1" dirty="0">
                 <a:solidFill>
                   <a:srgbClr val="660033"/>
                 </a:solidFill>
                 <a:latin typeface="微軟正黑體" pitchFamily="34" charset="-120"/>
                 <a:ea typeface="微軟正黑體" pitchFamily="34" charset="-120"/>
               </a:rPr>
-              <a:t>至寶貴聖名</a:t>
-            </a:r>
-          </a:p>
-          <a:p>
-            <a:pPr algn="ctr">
-              <a:buNone/>
-            </a:pPr>
-            <a:r>
-              <a:rPr lang="zh-TW" altLang="en-US" sz="5400" b="1" dirty="0">
-                <a:solidFill>
-                  <a:srgbClr val="660033"/>
-                </a:solidFill>
-                <a:latin typeface="微軟正黑體" pitchFamily="34" charset="-120"/>
-                <a:ea typeface="微軟正黑體" pitchFamily="34" charset="-120"/>
-              </a:rPr>
-              <a:t>滿我心所渴慕</a:t>
-            </a:r>
-          </a:p>
-          <a:p>
-            <a:pPr algn="ctr">
-              <a:buNone/>
-            </a:pPr>
-            <a:r>
-              <a:rPr lang="zh-TW" altLang="en-US" sz="5400" b="1" dirty="0">
-                <a:solidFill>
-                  <a:srgbClr val="660033"/>
-                </a:solidFill>
-                <a:latin typeface="微軟正黑體" pitchFamily="34" charset="-120"/>
-                <a:ea typeface="微軟正黑體" pitchFamily="34" charset="-120"/>
-              </a:rPr>
-              <a:t>領我快樂走天路</a:t>
-            </a:r>
+              <a:t>筵</a:t>
+            </a:r>
+            <a:endParaRPr lang="vi-VN" sz="6400" dirty="0"/>
           </a:p>
         </p:txBody>
       </p:sp>
     </p:spTree>
+    <p:extLst>
+      <p:ext uri="{BB962C8B-B14F-4D97-AF65-F5344CB8AC3E}">
+        <p14:creationId xmlns:p14="http://schemas.microsoft.com/office/powerpoint/2010/main" val="3216317826"/>
+      </p:ext>
+    </p:extLst>
   </p:cSld>
   <p:clrMapOvr>
     <a:masterClrMapping/>
   </p:clrMapOvr>
+  <p:timing>
+    <p:tnLst>
+      <p:par>
+        <p:cTn id="1" dur="indefinite" restart="never" nodeType="tmRoot"/>
+      </p:par>
+    </p:tnLst>
+  </p:timing>
+</p:sld>
+</file>
+
+<file path=ppt/slides/slide9.xml><?xml version="1.0" encoding="utf-8"?>
+<p:sld xmlns:a="http://schemas.openxmlformats.org/drawingml/2006/main" xmlns:r="http://schemas.openxmlformats.org/officeDocument/2006/relationships" xmlns:p="http://schemas.openxmlformats.org/presentationml/2006/main">
+  <p:cSld>
+    <p:spTree>
+      <p:nvGrpSpPr>
+        <p:cNvPr id="1" name=""/>
+        <p:cNvGrpSpPr/>
+        <p:nvPr/>
+      </p:nvGrpSpPr>
+      <p:grpSpPr>
+        <a:xfrm>
+          <a:off x="0" y="0"/>
+          <a:ext cx="0" cy="0"/>
+          <a:chOff x="0" y="0"/>
+          <a:chExt cx="0" cy="0"/>
+        </a:xfrm>
+      </p:grpSpPr>
+      <p:sp>
+        <p:nvSpPr>
+          <p:cNvPr id="5" name="內容版面配置區 4"/>
+          <p:cNvSpPr>
+            <a:spLocks noGrp="1"/>
+          </p:cNvSpPr>
+          <p:nvPr>
+            <p:ph idx="1"/>
+          </p:nvPr>
+        </p:nvSpPr>
+        <p:spPr>
+          <a:xfrm>
+            <a:off x="0" y="2084851"/>
+            <a:ext cx="12192000" cy="2404863"/>
+          </a:xfrm>
+        </p:spPr>
+        <p:txBody>
+          <a:bodyPr anchor="ctr">
+            <a:normAutofit/>
+          </a:bodyPr>
+          <a:lstStyle/>
+          <a:p>
+            <a:pPr algn="ctr">
+              <a:buNone/>
+            </a:pPr>
+            <a:r>
+              <a:rPr lang="zh-TW" altLang="en-US" sz="6400" b="1" dirty="0">
+                <a:solidFill>
+                  <a:srgbClr val="660033"/>
+                </a:solidFill>
+                <a:latin typeface="微軟正黑體" pitchFamily="34" charset="-120"/>
+                <a:ea typeface="微軟正黑體" pitchFamily="34" charset="-120"/>
+              </a:rPr>
+              <a:t>瞻望主笑容我心歡喜</a:t>
+            </a:r>
+          </a:p>
+          <a:p>
+            <a:pPr algn="ctr">
+              <a:buNone/>
+            </a:pPr>
+            <a:r>
+              <a:rPr lang="zh-TW" altLang="en-US" sz="6400" b="1" dirty="0">
+                <a:solidFill>
+                  <a:srgbClr val="660033"/>
+                </a:solidFill>
+                <a:latin typeface="微軟正黑體" pitchFamily="34" charset="-120"/>
+                <a:ea typeface="微軟正黑體" pitchFamily="34" charset="-120"/>
+              </a:rPr>
+              <a:t>故我要歌唱不已</a:t>
+            </a:r>
+            <a:endParaRPr lang="zh-TW" altLang="en-US" sz="6400" b="1" dirty="0">
+              <a:solidFill>
+                <a:srgbClr val="660033"/>
+              </a:solidFill>
+              <a:latin typeface="微軟正黑體" pitchFamily="34" charset="-120"/>
+              <a:ea typeface="微軟正黑體" pitchFamily="34" charset="-120"/>
+            </a:endParaRPr>
+          </a:p>
+        </p:txBody>
+      </p:sp>
+      <p:sp>
+        <p:nvSpPr>
+          <p:cNvPr id="3" name="TextBox 2"/>
+          <p:cNvSpPr txBox="1"/>
+          <p:nvPr/>
+        </p:nvSpPr>
+        <p:spPr>
+          <a:xfrm>
+            <a:off x="0" y="5061182"/>
+            <a:ext cx="12192000" cy="830997"/>
+          </a:xfrm>
+          <a:prstGeom prst="rect">
+            <a:avLst/>
+          </a:prstGeom>
+          <a:noFill/>
+        </p:spPr>
+        <p:txBody>
+          <a:bodyPr wrap="square" rtlCol="0">
+            <a:spAutoFit/>
+          </a:bodyPr>
+          <a:lstStyle/>
+          <a:p>
+            <a:pPr algn="ctr"/>
+            <a:r>
+              <a:rPr lang="en-US" sz="4800" b="1" dirty="0">
+                <a:solidFill>
+                  <a:srgbClr val="660033"/>
+                </a:solidFill>
+              </a:rPr>
+              <a:t>( 3 )</a:t>
+            </a:r>
+            <a:endParaRPr lang="vi-VN" sz="4800" b="1" dirty="0">
+              <a:solidFill>
+                <a:srgbClr val="660033"/>
+              </a:solidFill>
+            </a:endParaRPr>
+          </a:p>
+        </p:txBody>
+      </p:sp>
+    </p:spTree>
+    <p:extLst>
+      <p:ext uri="{BB962C8B-B14F-4D97-AF65-F5344CB8AC3E}">
+        <p14:creationId xmlns:p14="http://schemas.microsoft.com/office/powerpoint/2010/main" val="3081353940"/>
+      </p:ext>
+    </p:extLst>
+  </p:cSld>
+  <p:clrMapOvr>
+    <a:masterClrMapping/>
+  </p:clrMapOvr>
+  <p:timing>
+    <p:tnLst>
+      <p:par>
+        <p:cTn id="1" dur="indefinite" restart="never" nodeType="tmRoot"/>
+      </p:par>
+    </p:tnLst>
+  </p:timing>
 </p:sld>
 </file>
 
